--- a/并发控制/cc_lock/sildes/cc_lock.pptx
+++ b/并发控制/cc_lock/sildes/cc_lock.pptx
@@ -14,8 +14,8 @@
   <p:sldIdLst>
     <p:sldId id="256" r:id="rId3"/>
     <p:sldId id="257" r:id="rId4"/>
-    <p:sldId id="258" r:id="rId5"/>
-    <p:sldId id="259" r:id="rId6"/>
+    <p:sldId id="259" r:id="rId5"/>
+    <p:sldId id="258" r:id="rId6"/>
     <p:sldId id="264" r:id="rId7"/>
     <p:sldId id="265" r:id="rId8"/>
     <p:sldId id="260" r:id="rId9"/>
@@ -130,8 +130,8 @@
           <p14:sldIdLst>
             <p14:sldId id="256"/>
             <p14:sldId id="257"/>
+            <p14:sldId id="259"/>
             <p14:sldId id="258"/>
-            <p14:sldId id="259"/>
             <p14:sldId id="264"/>
             <p14:sldId id="265"/>
             <p14:sldId id="260"/>
@@ -255,7 +255,7 @@
           <a:p>
             <a:fld id="{B929D121-D10D-4F0C-8B5C-A4A810C856C2}" type="datetime1">
               <a:rPr lang="en-US" altLang="zh-CN" smtClean="0"/>
-              <a:t>5/15/2019</a:t>
+              <a:t>6/10/2020</a:t>
             </a:fld>
             <a:endParaRPr lang="zh-CN" altLang="en-US"/>
           </a:p>
@@ -421,7 +421,7 @@
           <a:p>
             <a:fld id="{C59B136B-7901-40C3-A276-4634FE9C07C7}" type="datetime1">
               <a:rPr lang="en-US" altLang="zh-CN" smtClean="0"/>
-              <a:t>5/15/2019</a:t>
+              <a:t>6/10/2020</a:t>
             </a:fld>
             <a:endParaRPr lang="en-US"/>
           </a:p>
@@ -778,7 +778,7 @@
           <a:p>
             <a:fld id="{689C195E-3386-4906-99A8-3313AC750D56}" type="datetime1">
               <a:rPr lang="en-US" altLang="zh-CN" smtClean="0"/>
-              <a:t>5/15/2019</a:t>
+              <a:t>6/10/2020</a:t>
             </a:fld>
             <a:endParaRPr lang="en-US"/>
           </a:p>
@@ -788,6 +788,707 @@
     <p:extLst>
       <p:ext uri="{BB962C8B-B14F-4D97-AF65-F5344CB8AC3E}">
         <p14:creationId xmlns:p14="http://schemas.microsoft.com/office/powerpoint/2010/main" val="3820184249"/>
+      </p:ext>
+    </p:extLst>
+  </p:cSld>
+  <p:clrMapOvr>
+    <a:masterClrMapping/>
+  </p:clrMapOvr>
+</p:notes>
+</file>
+
+<file path=ppt/notesSlides/notesSlide2.xml><?xml version="1.0" encoding="utf-8"?>
+<p:notes xmlns:a="http://schemas.openxmlformats.org/drawingml/2006/main" xmlns:r="http://schemas.openxmlformats.org/officeDocument/2006/relationships" xmlns:p="http://schemas.openxmlformats.org/presentationml/2006/main">
+  <p:cSld>
+    <p:spTree>
+      <p:nvGrpSpPr>
+        <p:cNvPr id="1" name=""/>
+        <p:cNvGrpSpPr/>
+        <p:nvPr/>
+      </p:nvGrpSpPr>
+      <p:grpSpPr>
+        <a:xfrm>
+          <a:off x="0" y="0"/>
+          <a:ext cx="0" cy="0"/>
+          <a:chOff x="0" y="0"/>
+          <a:chExt cx="0" cy="0"/>
+        </a:xfrm>
+      </p:grpSpPr>
+      <p:sp>
+        <p:nvSpPr>
+          <p:cNvPr id="2" name="幻灯片图像占位符 1"/>
+          <p:cNvSpPr>
+            <a:spLocks noGrp="1" noRot="1" noChangeAspect="1"/>
+          </p:cNvSpPr>
+          <p:nvPr>
+            <p:ph type="sldImg"/>
+          </p:nvPr>
+        </p:nvSpPr>
+        <p:spPr/>
+      </p:sp>
+      <p:sp>
+        <p:nvSpPr>
+          <p:cNvPr id="3" name="备注占位符 2"/>
+          <p:cNvSpPr>
+            <a:spLocks noGrp="1"/>
+          </p:cNvSpPr>
+          <p:nvPr>
+            <p:ph type="body" idx="1"/>
+          </p:nvPr>
+        </p:nvSpPr>
+        <p:spPr/>
+        <p:txBody>
+          <a:bodyPr/>
+          <a:lstStyle/>
+          <a:p>
+            <a:r>
+              <a:rPr lang="zh-CN" altLang="en-US" dirty="0"/>
+              <a:t>保守</a:t>
+            </a:r>
+            <a:r>
+              <a:rPr lang="en-US" altLang="zh-CN" dirty="0"/>
+              <a:t>2PL</a:t>
+            </a:r>
+            <a:r>
+              <a:rPr lang="zh-CN" altLang="en-US" dirty="0"/>
+              <a:t>：</a:t>
+            </a:r>
+            <a:r>
+              <a:rPr lang="zh-CN" altLang="en-US" sz="1200" b="0" i="0" kern="1200" dirty="0">
+                <a:solidFill>
+                  <a:schemeClr val="tx1"/>
+                </a:solidFill>
+                <a:effectLst/>
+                <a:latin typeface="+mn-lt"/>
+                <a:ea typeface="+mn-ea"/>
+                <a:cs typeface="+mn-cs"/>
+              </a:rPr>
+              <a:t>假设每个</a:t>
+            </a:r>
+            <a:r>
+              <a:rPr lang="en-US" altLang="zh-CN" sz="1200" b="0" i="0" kern="1200" dirty="0">
+                <a:solidFill>
+                  <a:schemeClr val="tx1"/>
+                </a:solidFill>
+                <a:effectLst/>
+                <a:latin typeface="+mn-lt"/>
+                <a:ea typeface="+mn-ea"/>
+                <a:cs typeface="+mn-cs"/>
+              </a:rPr>
+              <a:t>transaction</a:t>
+            </a:r>
+            <a:r>
+              <a:rPr lang="zh-CN" altLang="en-US" sz="1200" b="0" i="0" kern="1200" dirty="0">
+                <a:solidFill>
+                  <a:schemeClr val="tx1"/>
+                </a:solidFill>
+                <a:effectLst/>
+                <a:latin typeface="+mn-lt"/>
+                <a:ea typeface="+mn-ea"/>
+                <a:cs typeface="+mn-cs"/>
+              </a:rPr>
+              <a:t>都提前知道自己会进行哪些操作，在开始执行之前先获取所有需要的锁，这种保守算法可以保证</a:t>
+            </a:r>
+            <a:r>
+              <a:rPr lang="en-US" altLang="zh-CN" sz="1200" b="0" i="0" kern="1200" dirty="0">
+                <a:solidFill>
+                  <a:schemeClr val="tx1"/>
+                </a:solidFill>
+                <a:effectLst/>
+                <a:latin typeface="+mn-lt"/>
+                <a:ea typeface="+mn-ea"/>
+                <a:cs typeface="+mn-cs"/>
+              </a:rPr>
+              <a:t>transaction</a:t>
+            </a:r>
+            <a:r>
+              <a:rPr lang="zh-CN" altLang="en-US" sz="1200" b="0" i="0" kern="1200" dirty="0">
+                <a:solidFill>
+                  <a:schemeClr val="tx1"/>
+                </a:solidFill>
+                <a:effectLst/>
+                <a:latin typeface="+mn-lt"/>
+                <a:ea typeface="+mn-ea"/>
+                <a:cs typeface="+mn-cs"/>
+              </a:rPr>
+              <a:t>不会被</a:t>
+            </a:r>
+            <a:r>
+              <a:rPr lang="en-US" altLang="zh-CN" sz="1200" b="0" i="0" kern="1200" dirty="0">
+                <a:solidFill>
+                  <a:schemeClr val="tx1"/>
+                </a:solidFill>
+                <a:effectLst/>
+                <a:latin typeface="+mn-lt"/>
+                <a:ea typeface="+mn-ea"/>
+                <a:cs typeface="+mn-cs"/>
+              </a:rPr>
+              <a:t>abort</a:t>
+            </a:r>
+            <a:r>
+              <a:rPr lang="zh-CN" altLang="en-US" sz="1200" b="0" i="0" kern="1200" dirty="0">
+                <a:solidFill>
+                  <a:schemeClr val="tx1"/>
+                </a:solidFill>
+                <a:effectLst/>
+                <a:latin typeface="+mn-lt"/>
+                <a:ea typeface="+mn-ea"/>
+                <a:cs typeface="+mn-cs"/>
+              </a:rPr>
+              <a:t>。</a:t>
+            </a:r>
+            <a:endParaRPr lang="en-US" altLang="zh-CN" sz="1200" b="0" i="0" kern="1200" dirty="0">
+              <a:solidFill>
+                <a:schemeClr val="tx1"/>
+              </a:solidFill>
+              <a:effectLst/>
+              <a:latin typeface="+mn-lt"/>
+              <a:ea typeface="+mn-ea"/>
+              <a:cs typeface="+mn-cs"/>
+            </a:endParaRPr>
+          </a:p>
+          <a:p>
+            <a:r>
+              <a:rPr lang="zh-CN" altLang="en-US" sz="1200" b="0" i="0" kern="1200" dirty="0">
+                <a:solidFill>
+                  <a:schemeClr val="tx1"/>
+                </a:solidFill>
+                <a:effectLst/>
+                <a:latin typeface="+mn-lt"/>
+                <a:ea typeface="+mn-ea"/>
+                <a:cs typeface="+mn-cs"/>
+              </a:rPr>
+              <a:t>严格</a:t>
+            </a:r>
+            <a:r>
+              <a:rPr lang="en-US" altLang="zh-CN" sz="1200" b="0" i="0" kern="1200" dirty="0">
+                <a:solidFill>
+                  <a:schemeClr val="tx1"/>
+                </a:solidFill>
+                <a:effectLst/>
+                <a:latin typeface="+mn-lt"/>
+                <a:ea typeface="+mn-ea"/>
+                <a:cs typeface="+mn-cs"/>
+              </a:rPr>
+              <a:t>2PL</a:t>
+            </a:r>
+            <a:r>
+              <a:rPr lang="zh-CN" altLang="en-US" sz="1200" b="0" i="0" kern="1200" dirty="0">
+                <a:solidFill>
+                  <a:schemeClr val="tx1"/>
+                </a:solidFill>
+                <a:effectLst/>
+                <a:latin typeface="+mn-lt"/>
+                <a:ea typeface="+mn-ea"/>
+                <a:cs typeface="+mn-cs"/>
+              </a:rPr>
+              <a:t>：</a:t>
+            </a:r>
+            <a:r>
+              <a:rPr lang="en-US" altLang="zh-CN" sz="1200" b="0" i="0" kern="1200" dirty="0">
+                <a:solidFill>
+                  <a:schemeClr val="tx1"/>
+                </a:solidFill>
+                <a:effectLst/>
+                <a:latin typeface="+mn-lt"/>
+                <a:ea typeface="+mn-ea"/>
+                <a:cs typeface="+mn-cs"/>
+              </a:rPr>
+              <a:t>transaction</a:t>
+            </a:r>
+            <a:r>
+              <a:rPr lang="zh-CN" altLang="en-US" sz="1200" b="0" i="0" kern="1200" dirty="0">
+                <a:solidFill>
+                  <a:schemeClr val="tx1"/>
+                </a:solidFill>
+                <a:effectLst/>
+                <a:latin typeface="+mn-lt"/>
+                <a:ea typeface="+mn-ea"/>
+                <a:cs typeface="+mn-cs"/>
+              </a:rPr>
+              <a:t>直到执行结束（</a:t>
+            </a:r>
+            <a:r>
+              <a:rPr lang="en-US" altLang="zh-CN" sz="1200" b="0" i="0" kern="1200" dirty="0">
+                <a:solidFill>
+                  <a:schemeClr val="tx1"/>
+                </a:solidFill>
+                <a:effectLst/>
+                <a:latin typeface="+mn-lt"/>
+                <a:ea typeface="+mn-ea"/>
+                <a:cs typeface="+mn-cs"/>
+              </a:rPr>
+              <a:t>commit/abort</a:t>
+            </a:r>
+            <a:r>
+              <a:rPr lang="zh-CN" altLang="en-US" sz="1200" b="0" i="0" kern="1200" dirty="0">
+                <a:solidFill>
+                  <a:schemeClr val="tx1"/>
+                </a:solidFill>
+                <a:effectLst/>
+                <a:latin typeface="+mn-lt"/>
+                <a:ea typeface="+mn-ea"/>
+                <a:cs typeface="+mn-cs"/>
+              </a:rPr>
+              <a:t>）后才统一释放所有的锁。这种算法保证了</a:t>
+            </a:r>
+            <a:r>
+              <a:rPr lang="en-US" altLang="zh-CN" sz="1200" b="0" i="0" kern="1200" dirty="0">
+                <a:solidFill>
+                  <a:schemeClr val="tx1"/>
+                </a:solidFill>
+                <a:effectLst/>
+                <a:latin typeface="+mn-lt"/>
+                <a:ea typeface="+mn-ea"/>
+                <a:cs typeface="+mn-cs"/>
+              </a:rPr>
+              <a:t>strictness</a:t>
+            </a:r>
+            <a:r>
+              <a:rPr lang="zh-CN" altLang="en-US" sz="1200" b="0" i="0" kern="1200" dirty="0">
+                <a:solidFill>
+                  <a:schemeClr val="tx1"/>
+                </a:solidFill>
+                <a:effectLst/>
+                <a:latin typeface="+mn-lt"/>
+                <a:ea typeface="+mn-ea"/>
+                <a:cs typeface="+mn-cs"/>
+              </a:rPr>
+              <a:t>，避免了一个</a:t>
+            </a:r>
+            <a:r>
+              <a:rPr lang="en-US" altLang="zh-CN" sz="1200" b="0" i="0" kern="1200" dirty="0">
+                <a:solidFill>
+                  <a:schemeClr val="tx1"/>
+                </a:solidFill>
+                <a:effectLst/>
+                <a:latin typeface="+mn-lt"/>
+                <a:ea typeface="+mn-ea"/>
+                <a:cs typeface="+mn-cs"/>
+              </a:rPr>
+              <a:t>transaction abort</a:t>
+            </a:r>
+            <a:r>
+              <a:rPr lang="zh-CN" altLang="en-US" sz="1200" b="0" i="0" kern="1200" dirty="0">
+                <a:solidFill>
+                  <a:schemeClr val="tx1"/>
+                </a:solidFill>
+                <a:effectLst/>
+                <a:latin typeface="+mn-lt"/>
+                <a:ea typeface="+mn-ea"/>
+                <a:cs typeface="+mn-cs"/>
+              </a:rPr>
+              <a:t>就导致其他</a:t>
+            </a:r>
+            <a:r>
+              <a:rPr lang="en-US" altLang="zh-CN" sz="1200" b="0" i="0" kern="1200" dirty="0">
+                <a:solidFill>
+                  <a:schemeClr val="tx1"/>
+                </a:solidFill>
+                <a:effectLst/>
+                <a:latin typeface="+mn-lt"/>
+                <a:ea typeface="+mn-ea"/>
+                <a:cs typeface="+mn-cs"/>
+              </a:rPr>
+              <a:t>transaction</a:t>
+            </a:r>
+            <a:r>
+              <a:rPr lang="zh-CN" altLang="en-US" sz="1200" b="0" i="0" kern="1200" dirty="0">
+                <a:solidFill>
+                  <a:schemeClr val="tx1"/>
+                </a:solidFill>
+                <a:effectLst/>
+                <a:latin typeface="+mn-lt"/>
+                <a:ea typeface="+mn-ea"/>
+                <a:cs typeface="+mn-cs"/>
+              </a:rPr>
+              <a:t>产生</a:t>
+            </a:r>
+            <a:r>
+              <a:rPr lang="en-US" altLang="zh-CN" sz="1200" b="0" i="0" kern="1200" dirty="0">
+                <a:solidFill>
+                  <a:schemeClr val="tx1"/>
+                </a:solidFill>
+                <a:effectLst/>
+                <a:latin typeface="+mn-lt"/>
+                <a:ea typeface="+mn-ea"/>
+                <a:cs typeface="+mn-cs"/>
+              </a:rPr>
+              <a:t>cascading abort</a:t>
+            </a:r>
+            <a:r>
+              <a:rPr lang="zh-CN" altLang="en-US" sz="1200" b="0" i="0" kern="1200" dirty="0">
+                <a:solidFill>
+                  <a:schemeClr val="tx1"/>
+                </a:solidFill>
+                <a:effectLst/>
+                <a:latin typeface="+mn-lt"/>
+                <a:ea typeface="+mn-ea"/>
+                <a:cs typeface="+mn-cs"/>
+              </a:rPr>
+              <a:t>。</a:t>
+            </a:r>
+            <a:endParaRPr lang="zh-CN" altLang="en-US" dirty="0"/>
+          </a:p>
+        </p:txBody>
+      </p:sp>
+      <p:sp>
+        <p:nvSpPr>
+          <p:cNvPr id="4" name="日期占位符 3"/>
+          <p:cNvSpPr>
+            <a:spLocks noGrp="1"/>
+          </p:cNvSpPr>
+          <p:nvPr>
+            <p:ph type="dt" idx="1"/>
+          </p:nvPr>
+        </p:nvSpPr>
+        <p:spPr/>
+        <p:txBody>
+          <a:bodyPr/>
+          <a:lstStyle/>
+          <a:p>
+            <a:fld id="{C59B136B-7901-40C3-A276-4634FE9C07C7}" type="datetime1">
+              <a:rPr lang="en-US" altLang="zh-CN" smtClean="0"/>
+              <a:t>6/10/2020</a:t>
+            </a:fld>
+            <a:endParaRPr lang="en-US"/>
+          </a:p>
+        </p:txBody>
+      </p:sp>
+      <p:sp>
+        <p:nvSpPr>
+          <p:cNvPr id="5" name="灯片编号占位符 4"/>
+          <p:cNvSpPr>
+            <a:spLocks noGrp="1"/>
+          </p:cNvSpPr>
+          <p:nvPr>
+            <p:ph type="sldNum" sz="quarter" idx="5"/>
+          </p:nvPr>
+        </p:nvSpPr>
+        <p:spPr/>
+        <p:txBody>
+          <a:bodyPr/>
+          <a:lstStyle/>
+          <a:p>
+            <a:fld id="{A9CE7965-F0FE-AE4F-A763-082F6E55A561}" type="slidenum">
+              <a:rPr lang="en-US" smtClean="0"/>
+              <a:t>3</a:t>
+            </a:fld>
+            <a:endParaRPr lang="en-US"/>
+          </a:p>
+        </p:txBody>
+      </p:sp>
+    </p:spTree>
+    <p:extLst>
+      <p:ext uri="{BB962C8B-B14F-4D97-AF65-F5344CB8AC3E}">
+        <p14:creationId xmlns:p14="http://schemas.microsoft.com/office/powerpoint/2010/main" val="4008254155"/>
+      </p:ext>
+    </p:extLst>
+  </p:cSld>
+  <p:clrMapOvr>
+    <a:masterClrMapping/>
+  </p:clrMapOvr>
+</p:notes>
+</file>
+
+<file path=ppt/notesSlides/notesSlide3.xml><?xml version="1.0" encoding="utf-8"?>
+<p:notes xmlns:a="http://schemas.openxmlformats.org/drawingml/2006/main" xmlns:r="http://schemas.openxmlformats.org/officeDocument/2006/relationships" xmlns:p="http://schemas.openxmlformats.org/presentationml/2006/main">
+  <p:cSld>
+    <p:spTree>
+      <p:nvGrpSpPr>
+        <p:cNvPr id="1" name=""/>
+        <p:cNvGrpSpPr/>
+        <p:nvPr/>
+      </p:nvGrpSpPr>
+      <p:grpSpPr>
+        <a:xfrm>
+          <a:off x="0" y="0"/>
+          <a:ext cx="0" cy="0"/>
+          <a:chOff x="0" y="0"/>
+          <a:chExt cx="0" cy="0"/>
+        </a:xfrm>
+      </p:grpSpPr>
+      <p:sp>
+        <p:nvSpPr>
+          <p:cNvPr id="2" name="幻灯片图像占位符 1"/>
+          <p:cNvSpPr>
+            <a:spLocks noGrp="1" noRot="1" noChangeAspect="1"/>
+          </p:cNvSpPr>
+          <p:nvPr>
+            <p:ph type="sldImg"/>
+          </p:nvPr>
+        </p:nvSpPr>
+        <p:spPr/>
+      </p:sp>
+      <p:sp>
+        <p:nvSpPr>
+          <p:cNvPr id="3" name="备注占位符 2"/>
+          <p:cNvSpPr>
+            <a:spLocks noGrp="1"/>
+          </p:cNvSpPr>
+          <p:nvPr>
+            <p:ph type="body" idx="1"/>
+          </p:nvPr>
+        </p:nvSpPr>
+        <p:spPr/>
+        <p:txBody>
+          <a:bodyPr/>
+          <a:lstStyle/>
+          <a:p>
+            <a:r>
+              <a:rPr lang="zh-CN" altLang="en-US" dirty="0"/>
+              <a:t>思考：为什么多数</a:t>
+            </a:r>
+            <a:r>
+              <a:rPr lang="en-US" altLang="zh-CN" dirty="0"/>
+              <a:t>2PL</a:t>
+            </a:r>
+            <a:r>
+              <a:rPr lang="zh-CN" altLang="en-US" dirty="0"/>
+              <a:t>实现方式采用加长锁，而不是在动作结束立即释放锁？</a:t>
+            </a:r>
+            <a:endParaRPr lang="en-US" altLang="zh-CN" dirty="0"/>
+          </a:p>
+          <a:p>
+            <a:pPr marL="228600" indent="-228600">
+              <a:buAutoNum type="arabicPeriod"/>
+            </a:pPr>
+            <a:r>
+              <a:rPr lang="zh-CN" altLang="en-US" dirty="0"/>
+              <a:t>事务执行时，无法预知自己不会再次访问该数据，若想知道某条事务访问数据的顺序，需在事务开始前对事务进行分析，但这样实现较为复杂，且有额外开销</a:t>
+            </a:r>
+            <a:endParaRPr lang="en-US" altLang="zh-CN" dirty="0"/>
+          </a:p>
+          <a:p>
+            <a:pPr marL="228600" indent="-228600">
+              <a:buAutoNum type="arabicPeriod"/>
+            </a:pPr>
+            <a:r>
+              <a:rPr lang="zh-CN" altLang="en-US" dirty="0"/>
+              <a:t>若采用短锁，可能导致级联回滚</a:t>
+            </a:r>
+          </a:p>
+        </p:txBody>
+      </p:sp>
+      <p:sp>
+        <p:nvSpPr>
+          <p:cNvPr id="4" name="日期占位符 3"/>
+          <p:cNvSpPr>
+            <a:spLocks noGrp="1"/>
+          </p:cNvSpPr>
+          <p:nvPr>
+            <p:ph type="dt" idx="1"/>
+          </p:nvPr>
+        </p:nvSpPr>
+        <p:spPr/>
+        <p:txBody>
+          <a:bodyPr/>
+          <a:lstStyle/>
+          <a:p>
+            <a:fld id="{C59B136B-7901-40C3-A276-4634FE9C07C7}" type="datetime1">
+              <a:rPr lang="en-US" altLang="zh-CN" smtClean="0"/>
+              <a:t>6/10/2020</a:t>
+            </a:fld>
+            <a:endParaRPr lang="en-US"/>
+          </a:p>
+        </p:txBody>
+      </p:sp>
+      <p:sp>
+        <p:nvSpPr>
+          <p:cNvPr id="5" name="灯片编号占位符 4"/>
+          <p:cNvSpPr>
+            <a:spLocks noGrp="1"/>
+          </p:cNvSpPr>
+          <p:nvPr>
+            <p:ph type="sldNum" sz="quarter" idx="5"/>
+          </p:nvPr>
+        </p:nvSpPr>
+        <p:spPr/>
+        <p:txBody>
+          <a:bodyPr/>
+          <a:lstStyle/>
+          <a:p>
+            <a:fld id="{A9CE7965-F0FE-AE4F-A763-082F6E55A561}" type="slidenum">
+              <a:rPr lang="en-US" smtClean="0"/>
+              <a:t>4</a:t>
+            </a:fld>
+            <a:endParaRPr lang="en-US"/>
+          </a:p>
+        </p:txBody>
+      </p:sp>
+    </p:spTree>
+    <p:extLst>
+      <p:ext uri="{BB962C8B-B14F-4D97-AF65-F5344CB8AC3E}">
+        <p14:creationId xmlns:p14="http://schemas.microsoft.com/office/powerpoint/2010/main" val="3500777254"/>
+      </p:ext>
+    </p:extLst>
+  </p:cSld>
+  <p:clrMapOvr>
+    <a:masterClrMapping/>
+  </p:clrMapOvr>
+</p:notes>
+</file>
+
+<file path=ppt/notesSlides/notesSlide4.xml><?xml version="1.0" encoding="utf-8"?>
+<p:notes xmlns:a="http://schemas.openxmlformats.org/drawingml/2006/main" xmlns:r="http://schemas.openxmlformats.org/officeDocument/2006/relationships" xmlns:p="http://schemas.openxmlformats.org/presentationml/2006/main">
+  <p:cSld>
+    <p:spTree>
+      <p:nvGrpSpPr>
+        <p:cNvPr id="1" name=""/>
+        <p:cNvGrpSpPr/>
+        <p:nvPr/>
+      </p:nvGrpSpPr>
+      <p:grpSpPr>
+        <a:xfrm>
+          <a:off x="0" y="0"/>
+          <a:ext cx="0" cy="0"/>
+          <a:chOff x="0" y="0"/>
+          <a:chExt cx="0" cy="0"/>
+        </a:xfrm>
+      </p:grpSpPr>
+      <p:sp>
+        <p:nvSpPr>
+          <p:cNvPr id="2" name="幻灯片图像占位符 1"/>
+          <p:cNvSpPr>
+            <a:spLocks noGrp="1" noRot="1" noChangeAspect="1"/>
+          </p:cNvSpPr>
+          <p:nvPr>
+            <p:ph type="sldImg"/>
+          </p:nvPr>
+        </p:nvSpPr>
+        <p:spPr/>
+      </p:sp>
+      <p:sp>
+        <p:nvSpPr>
+          <p:cNvPr id="3" name="备注占位符 2"/>
+          <p:cNvSpPr>
+            <a:spLocks noGrp="1"/>
+          </p:cNvSpPr>
+          <p:nvPr>
+            <p:ph type="body" idx="1"/>
+          </p:nvPr>
+        </p:nvSpPr>
+        <p:spPr/>
+        <p:txBody>
+          <a:bodyPr/>
+          <a:lstStyle/>
+          <a:p>
+            <a:r>
+              <a:rPr lang="en-US" altLang="zh-CN" dirty="0"/>
+              <a:t>MySQL</a:t>
+            </a:r>
+            <a:r>
+              <a:rPr lang="zh-CN" altLang="en-US"/>
+              <a:t>当中</a:t>
+            </a:r>
+            <a:endParaRPr lang="en-US" altLang="zh-CN"/>
+          </a:p>
+          <a:p>
+            <a:r>
+              <a:rPr lang="en-US" altLang="zh-CN" dirty="0"/>
+              <a:t>Read committed</a:t>
+            </a:r>
+            <a:r>
+              <a:rPr lang="zh-CN" altLang="en-US" dirty="0"/>
+              <a:t>：读操作不加锁，写操作加锁</a:t>
+            </a:r>
+            <a:endParaRPr lang="en-US" altLang="zh-CN" dirty="0"/>
+          </a:p>
+          <a:p>
+            <a:pPr marL="0" marR="0" lvl="0" indent="0" algn="l" defTabSz="457200" rtl="0" eaLnBrk="1" fontAlgn="auto" latinLnBrk="0" hangingPunct="1">
+              <a:lnSpc>
+                <a:spcPct val="100000"/>
+              </a:lnSpc>
+              <a:spcBef>
+                <a:spcPts val="0"/>
+              </a:spcBef>
+              <a:spcAft>
+                <a:spcPts val="0"/>
+              </a:spcAft>
+              <a:buClrTx/>
+              <a:buSzTx/>
+              <a:buFontTx/>
+              <a:buNone/>
+              <a:tabLst/>
+              <a:defRPr/>
+            </a:pPr>
+            <a:r>
+              <a:rPr lang="en-US" altLang="zh-CN" sz="1200" b="0" i="0" kern="1200" dirty="0">
+                <a:solidFill>
+                  <a:schemeClr val="tx1"/>
+                </a:solidFill>
+                <a:effectLst/>
+                <a:latin typeface="+mn-lt"/>
+                <a:ea typeface="+mn-ea"/>
+                <a:cs typeface="+mn-cs"/>
+              </a:rPr>
+              <a:t>Repeatable Read</a:t>
+            </a:r>
+            <a:r>
+              <a:rPr lang="zh-CN" altLang="en-US" dirty="0"/>
+              <a:t>：多版本</a:t>
+            </a:r>
+            <a:r>
+              <a:rPr lang="en-US" altLang="zh-CN" dirty="0"/>
+              <a:t>+</a:t>
+            </a:r>
+            <a:r>
+              <a:rPr lang="zh-CN" altLang="en-US" dirty="0"/>
+              <a:t>写锁</a:t>
+            </a:r>
+          </a:p>
+        </p:txBody>
+      </p:sp>
+      <p:sp>
+        <p:nvSpPr>
+          <p:cNvPr id="4" name="日期占位符 3"/>
+          <p:cNvSpPr>
+            <a:spLocks noGrp="1"/>
+          </p:cNvSpPr>
+          <p:nvPr>
+            <p:ph type="dt" idx="1"/>
+          </p:nvPr>
+        </p:nvSpPr>
+        <p:spPr/>
+        <p:txBody>
+          <a:bodyPr/>
+          <a:lstStyle/>
+          <a:p>
+            <a:fld id="{C59B136B-7901-40C3-A276-4634FE9C07C7}" type="datetime1">
+              <a:rPr lang="en-US" altLang="zh-CN" smtClean="0"/>
+              <a:t>6/10/2020</a:t>
+            </a:fld>
+            <a:endParaRPr lang="en-US"/>
+          </a:p>
+        </p:txBody>
+      </p:sp>
+      <p:sp>
+        <p:nvSpPr>
+          <p:cNvPr id="5" name="灯片编号占位符 4"/>
+          <p:cNvSpPr>
+            <a:spLocks noGrp="1"/>
+          </p:cNvSpPr>
+          <p:nvPr>
+            <p:ph type="sldNum" sz="quarter" idx="5"/>
+          </p:nvPr>
+        </p:nvSpPr>
+        <p:spPr/>
+        <p:txBody>
+          <a:bodyPr/>
+          <a:lstStyle/>
+          <a:p>
+            <a:fld id="{A9CE7965-F0FE-AE4F-A763-082F6E55A561}" type="slidenum">
+              <a:rPr lang="en-US" smtClean="0"/>
+              <a:t>13</a:t>
+            </a:fld>
+            <a:endParaRPr lang="en-US"/>
+          </a:p>
+        </p:txBody>
+      </p:sp>
+    </p:spTree>
+    <p:extLst>
+      <p:ext uri="{BB962C8B-B14F-4D97-AF65-F5344CB8AC3E}">
+        <p14:creationId xmlns:p14="http://schemas.microsoft.com/office/powerpoint/2010/main" val="2117588716"/>
       </p:ext>
     </p:extLst>
   </p:cSld>
@@ -1087,7 +1788,7 @@
             <a:pPr algn="ctr" eaLnBrk="1" latinLnBrk="0" hangingPunct="1"/>
             <a:fld id="{FA17DD03-7FE4-4644-8B08-AEAAD3C985E9}" type="datetime1">
               <a:rPr lang="en-US" altLang="zh-CN" smtClean="0"/>
-              <a:t>5/15/2019</a:t>
+              <a:t>6/10/2020</a:t>
             </a:fld>
             <a:endParaRPr lang="en-US" sz="2000" dirty="0">
               <a:solidFill>
@@ -1292,7 +1993,7 @@
             <a:pPr eaLnBrk="1" latinLnBrk="0" hangingPunct="1"/>
             <a:fld id="{7717BE20-7690-4122-B239-932AAC939A97}" type="datetime1">
               <a:rPr lang="en-US" altLang="zh-CN" smtClean="0"/>
-              <a:t>5/15/2019</a:t>
+              <a:t>6/10/2020</a:t>
             </a:fld>
             <a:endParaRPr lang="en-US"/>
           </a:p>
@@ -1525,7 +2226,7 @@
             <a:pPr eaLnBrk="1" latinLnBrk="0" hangingPunct="1"/>
             <a:fld id="{08E52159-3E69-455F-9569-E16EDD4D98E0}" type="datetime1">
               <a:rPr lang="en-US" altLang="zh-CN" smtClean="0"/>
-              <a:t>5/15/2019</a:t>
+              <a:t>6/10/2020</a:t>
             </a:fld>
             <a:endParaRPr lang="en-US" dirty="0"/>
           </a:p>
@@ -1875,7 +2576,7 @@
             <a:pPr algn="ctr" eaLnBrk="1" latinLnBrk="0" hangingPunct="1"/>
             <a:fld id="{FA17DD03-7FE4-4644-8B08-AEAAD3C985E9}" type="datetime1">
               <a:rPr lang="en-US" altLang="zh-CN" smtClean="0"/>
-              <a:t>5/15/2019</a:t>
+              <a:t>6/10/2020</a:t>
             </a:fld>
             <a:endParaRPr lang="en-US" sz="2000" dirty="0">
               <a:solidFill>
@@ -2092,7 +2793,7 @@
           <a:p>
             <a:fld id="{F22F2A01-8003-452D-B96D-DFEB5C1AEE93}" type="datetimeFigureOut">
               <a:rPr lang="zh-CN" altLang="en-US" smtClean="0"/>
-              <a:t>2019/5/15</a:t>
+              <a:t>2020/6/10</a:t>
             </a:fld>
             <a:endParaRPr lang="zh-CN" altLang="en-US"/>
           </a:p>
@@ -2290,7 +2991,7 @@
           <a:p>
             <a:fld id="{F22F2A01-8003-452D-B96D-DFEB5C1AEE93}" type="datetimeFigureOut">
               <a:rPr lang="zh-CN" altLang="en-US" smtClean="0"/>
-              <a:t>2019/5/15</a:t>
+              <a:t>2020/6/10</a:t>
             </a:fld>
             <a:endParaRPr lang="zh-CN" altLang="en-US"/>
           </a:p>
@@ -2565,7 +3266,7 @@
           <a:p>
             <a:fld id="{F22F2A01-8003-452D-B96D-DFEB5C1AEE93}" type="datetimeFigureOut">
               <a:rPr lang="zh-CN" altLang="en-US" smtClean="0"/>
-              <a:t>2019/5/15</a:t>
+              <a:t>2020/6/10</a:t>
             </a:fld>
             <a:endParaRPr lang="zh-CN" altLang="en-US"/>
           </a:p>
@@ -2830,7 +3531,7 @@
           <a:p>
             <a:fld id="{F22F2A01-8003-452D-B96D-DFEB5C1AEE93}" type="datetimeFigureOut">
               <a:rPr lang="zh-CN" altLang="en-US" smtClean="0"/>
-              <a:t>2019/5/15</a:t>
+              <a:t>2020/6/10</a:t>
             </a:fld>
             <a:endParaRPr lang="zh-CN" altLang="en-US"/>
           </a:p>
@@ -3242,7 +3943,7 @@
           <a:p>
             <a:fld id="{F22F2A01-8003-452D-B96D-DFEB5C1AEE93}" type="datetimeFigureOut">
               <a:rPr lang="zh-CN" altLang="en-US" smtClean="0"/>
-              <a:t>2019/5/15</a:t>
+              <a:t>2020/6/10</a:t>
             </a:fld>
             <a:endParaRPr lang="zh-CN" altLang="en-US"/>
           </a:p>
@@ -3383,7 +4084,7 @@
           <a:p>
             <a:fld id="{F22F2A01-8003-452D-B96D-DFEB5C1AEE93}" type="datetimeFigureOut">
               <a:rPr lang="zh-CN" altLang="en-US" smtClean="0"/>
-              <a:t>2019/5/15</a:t>
+              <a:t>2020/6/10</a:t>
             </a:fld>
             <a:endParaRPr lang="zh-CN" altLang="en-US"/>
           </a:p>
@@ -3496,7 +4197,7 @@
           <a:p>
             <a:fld id="{F22F2A01-8003-452D-B96D-DFEB5C1AEE93}" type="datetimeFigureOut">
               <a:rPr lang="zh-CN" altLang="en-US" smtClean="0"/>
-              <a:t>2019/5/15</a:t>
+              <a:t>2020/6/10</a:t>
             </a:fld>
             <a:endParaRPr lang="zh-CN" altLang="en-US"/>
           </a:p>
@@ -3631,7 +4332,7 @@
             <a:pPr eaLnBrk="1" latinLnBrk="0" hangingPunct="1"/>
             <a:fld id="{5B07C305-A121-4768-B6E8-C8CCF036FD24}" type="datetime1">
               <a:rPr lang="en-US" altLang="zh-CN" smtClean="0"/>
-              <a:t>5/15/2019</a:t>
+              <a:t>6/10/2020</a:t>
             </a:fld>
             <a:endParaRPr lang="en-US" dirty="0"/>
           </a:p>
@@ -3784,13 +4485,6 @@
   <p:clrMapOvr>
     <a:masterClrMapping/>
   </p:clrMapOvr>
-  <p:timing>
-    <p:tnLst>
-      <p:par>
-        <p:cTn id="1" dur="indefinite" restart="never" nodeType="tmRoot"/>
-      </p:par>
-    </p:tnLst>
-  </p:timing>
 </p:sldLayout>
 </file>
 
@@ -4032,7 +4726,7 @@
           <a:p>
             <a:fld id="{F22F2A01-8003-452D-B96D-DFEB5C1AEE93}" type="datetimeFigureOut">
               <a:rPr lang="zh-CN" altLang="en-US" smtClean="0"/>
-              <a:t>2019/5/15</a:t>
+              <a:t>2020/6/10</a:t>
             </a:fld>
             <a:endParaRPr lang="zh-CN" altLang="en-US"/>
           </a:p>
@@ -4320,7 +5014,7 @@
           <a:p>
             <a:fld id="{F22F2A01-8003-452D-B96D-DFEB5C1AEE93}" type="datetimeFigureOut">
               <a:rPr lang="zh-CN" altLang="en-US" smtClean="0"/>
-              <a:t>2019/5/15</a:t>
+              <a:t>2020/6/10</a:t>
             </a:fld>
             <a:endParaRPr lang="zh-CN" altLang="en-US"/>
           </a:p>
@@ -4518,7 +5212,7 @@
           <a:p>
             <a:fld id="{F22F2A01-8003-452D-B96D-DFEB5C1AEE93}" type="datetimeFigureOut">
               <a:rPr lang="zh-CN" altLang="en-US" smtClean="0"/>
-              <a:t>2019/5/15</a:t>
+              <a:t>2020/6/10</a:t>
             </a:fld>
             <a:endParaRPr lang="zh-CN" altLang="en-US"/>
           </a:p>
@@ -4726,7 +5420,7 @@
           <a:p>
             <a:fld id="{F22F2A01-8003-452D-B96D-DFEB5C1AEE93}" type="datetimeFigureOut">
               <a:rPr lang="zh-CN" altLang="en-US" smtClean="0"/>
-              <a:t>2019/5/15</a:t>
+              <a:t>2020/6/10</a:t>
             </a:fld>
             <a:endParaRPr lang="zh-CN" altLang="en-US"/>
           </a:p>
@@ -5094,7 +5788,7 @@
             <a:pPr eaLnBrk="1" latinLnBrk="0" hangingPunct="1"/>
             <a:fld id="{DC943EC1-10AF-4AAF-A58D-C916DCE522BF}" type="datetime1">
               <a:rPr lang="en-US" altLang="zh-CN" smtClean="0"/>
-              <a:t>5/15/2019</a:t>
+              <a:t>6/10/2020</a:t>
             </a:fld>
             <a:endParaRPr lang="en-US"/>
           </a:p>
@@ -5384,7 +6078,7 @@
             <a:pPr eaLnBrk="1" latinLnBrk="0" hangingPunct="1"/>
             <a:fld id="{481D54D7-4123-4EEC-A1DF-89CF9E8C1629}" type="datetime1">
               <a:rPr lang="en-US" altLang="zh-CN" smtClean="0"/>
-              <a:t>5/15/2019</a:t>
+              <a:t>6/10/2020</a:t>
             </a:fld>
             <a:endParaRPr lang="en-US"/>
           </a:p>
@@ -5669,7 +6363,7 @@
             <a:pPr eaLnBrk="1" latinLnBrk="0" hangingPunct="1"/>
             <a:fld id="{9BC3EA33-8B93-4A23-A928-67EE36EFD101}" type="datetime1">
               <a:rPr lang="en-US" altLang="zh-CN" smtClean="0"/>
-              <a:t>5/15/2019</a:t>
+              <a:t>6/10/2020</a:t>
             </a:fld>
             <a:endParaRPr lang="en-US"/>
           </a:p>
@@ -5913,7 +6607,7 @@
             <a:pPr eaLnBrk="1" latinLnBrk="0" hangingPunct="1"/>
             <a:fld id="{21B24EDB-0CD7-46CA-A675-3F8C58ED0ADE}" type="datetime1">
               <a:rPr lang="en-US" altLang="zh-CN" smtClean="0"/>
-              <a:t>5/15/2019</a:t>
+              <a:t>6/10/2020</a:t>
             </a:fld>
             <a:endParaRPr lang="en-US"/>
           </a:p>
@@ -6064,7 +6758,7 @@
             <a:pPr eaLnBrk="1" latinLnBrk="0" hangingPunct="1"/>
             <a:fld id="{6CA006F7-1EEA-48AD-AB83-E44117476C2D}" type="datetime1">
               <a:rPr lang="en-US" altLang="zh-CN" smtClean="0"/>
-              <a:t>5/15/2019</a:t>
+              <a:t>6/10/2020</a:t>
             </a:fld>
             <a:endParaRPr lang="en-US"/>
           </a:p>
@@ -6205,7 +6899,7 @@
             <a:pPr eaLnBrk="1" latinLnBrk="0" hangingPunct="1"/>
             <a:fld id="{366796DF-2388-4074-8250-081B2B743ADD}" type="datetime1">
               <a:rPr lang="en-US" altLang="zh-CN" smtClean="0"/>
-              <a:t>5/15/2019</a:t>
+              <a:t>6/10/2020</a:t>
             </a:fld>
             <a:endParaRPr lang="en-US"/>
           </a:p>
@@ -6775,7 +7469,7 @@
             <a:pPr eaLnBrk="1" latinLnBrk="0" hangingPunct="1"/>
             <a:fld id="{A4DF81AF-7B9A-4912-9556-C0A794F46D55}" type="datetime1">
               <a:rPr lang="en-US" altLang="zh-CN" smtClean="0"/>
-              <a:t>5/15/2019</a:t>
+              <a:t>6/10/2020</a:t>
             </a:fld>
             <a:endParaRPr lang="en-US"/>
           </a:p>
@@ -7084,7 +7778,7 @@
             <a:pPr eaLnBrk="1" latinLnBrk="0" hangingPunct="1"/>
             <a:fld id="{F28F4B70-43CB-4A8B-ACFC-89C41893FEC2}" type="datetime1">
               <a:rPr lang="en-US" altLang="zh-CN" smtClean="0"/>
-              <a:t>5/15/2019</a:t>
+              <a:t>6/10/2020</a:t>
             </a:fld>
             <a:endParaRPr lang="en-US" sz="1400" dirty="0">
               <a:solidFill>
@@ -7791,7 +8485,7 @@
           <a:p>
             <a:fld id="{F22F2A01-8003-452D-B96D-DFEB5C1AEE93}" type="datetimeFigureOut">
               <a:rPr lang="zh-CN" altLang="en-US" smtClean="0"/>
-              <a:t>2019/5/15</a:t>
+              <a:t>2020/6/10</a:t>
             </a:fld>
             <a:endParaRPr lang="zh-CN" altLang="en-US"/>
           </a:p>
@@ -8231,55 +8925,27 @@
           <a:lstStyle/>
           <a:p>
             <a:pPr algn="ctr"/>
-            <a:r>
-              <a:rPr lang="en-US" altLang="zh-CN" sz="1800" dirty="0"/>
-              <a:t/>
-            </a:r>
             <a:br>
               <a:rPr lang="en-US" altLang="zh-CN" sz="1800" dirty="0"/>
             </a:br>
-            <a:r>
-              <a:rPr lang="en-US" altLang="zh-CN" sz="1800" dirty="0"/>
-              <a:t/>
-            </a:r>
             <a:br>
               <a:rPr lang="en-US" altLang="zh-CN" sz="1800" dirty="0"/>
             </a:br>
-            <a:r>
-              <a:rPr lang="en-US" altLang="zh-CN" sz="1800" dirty="0"/>
-              <a:t/>
-            </a:r>
             <a:br>
               <a:rPr lang="en-US" altLang="zh-CN" sz="1800" dirty="0"/>
             </a:br>
-            <a:r>
-              <a:rPr lang="en-US" altLang="zh-CN" sz="1800" dirty="0"/>
-              <a:t/>
-            </a:r>
             <a:br>
               <a:rPr lang="en-US" altLang="zh-CN" sz="1800" dirty="0"/>
             </a:br>
-            <a:r>
-              <a:rPr lang="en-US" altLang="zh-CN" sz="3200" dirty="0"/>
-              <a:t/>
-            </a:r>
             <a:br>
               <a:rPr lang="en-US" altLang="zh-CN" sz="3200" dirty="0"/>
             </a:br>
-            <a:r>
-              <a:rPr lang="en-US" altLang="zh-CN" sz="3200" dirty="0"/>
-              <a:t/>
-            </a:r>
             <a:br>
               <a:rPr lang="en-US" altLang="zh-CN" sz="3200" dirty="0"/>
             </a:br>
             <a:r>
-              <a:rPr lang="zh-CN" altLang="en-US" dirty="0" smtClean="0"/>
+              <a:rPr lang="zh-CN" altLang="en-US" dirty="0"/>
               <a:t>基于锁的并发控制实现</a:t>
-            </a:r>
-            <a:r>
-              <a:rPr lang="en-US" altLang="zh-CN" b="1" dirty="0"/>
-              <a:t/>
             </a:r>
             <a:br>
               <a:rPr lang="en-US" altLang="zh-CN" b="1" dirty="0"/>
@@ -8288,59 +8954,29 @@
               <a:rPr lang="en-US" altLang="zh-CN" b="1" dirty="0"/>
               <a:t>			</a:t>
             </a:r>
-            <a:r>
-              <a:rPr lang="en-US" altLang="zh-CN" sz="3200" dirty="0"/>
-              <a:t/>
-            </a:r>
             <a:br>
               <a:rPr lang="en-US" altLang="zh-CN" sz="3200" dirty="0"/>
             </a:br>
-            <a:r>
-              <a:rPr lang="en-US" altLang="zh-CN" sz="2400" dirty="0"/>
-              <a:t/>
-            </a:r>
             <a:br>
               <a:rPr lang="en-US" altLang="zh-CN" sz="2400" dirty="0"/>
             </a:br>
             <a:r>
-              <a:rPr lang="zh-CN" altLang="en-US" sz="2400" dirty="0" smtClean="0"/>
+              <a:rPr lang="zh-CN" altLang="en-US" sz="2400" dirty="0"/>
               <a:t>任课老师：胡卉芪</a:t>
             </a:r>
-            <a:r>
-              <a:rPr lang="en-US" altLang="zh-CN" sz="2400" dirty="0" smtClean="0"/>
-              <a:t/>
-            </a:r>
             <a:br>
-              <a:rPr lang="en-US" altLang="zh-CN" sz="2400" dirty="0" smtClean="0"/>
+              <a:rPr lang="en-US" altLang="zh-CN" sz="2400" dirty="0"/>
             </a:br>
             <a:r>
-              <a:rPr lang="zh-CN" altLang="en-US" sz="2400" dirty="0" smtClean="0"/>
+              <a:rPr lang="zh-CN" altLang="en-US" sz="2400" dirty="0"/>
               <a:t>助教：张子豪</a:t>
             </a:r>
-            <a:r>
-              <a:rPr lang="en-US" altLang="zh-CN" sz="2400" dirty="0" smtClean="0"/>
-              <a:t/>
-            </a:r>
             <a:br>
-              <a:rPr lang="en-US" altLang="zh-CN" sz="2400" dirty="0" smtClean="0"/>
+              <a:rPr lang="en-US" altLang="zh-CN" sz="2400" dirty="0"/>
             </a:br>
-            <a:r>
-              <a:rPr lang="en-US" altLang="zh-CN" sz="3200" dirty="0"/>
-              <a:t/>
-            </a:r>
             <a:br>
               <a:rPr lang="en-US" altLang="zh-CN" sz="3200" dirty="0"/>
             </a:br>
-            <a:r>
-              <a:rPr lang="en-US" altLang="zh-CN" sz="3200" b="1" cap="none" dirty="0">
-                <a:solidFill>
-                  <a:schemeClr val="accent2"/>
-                </a:solidFill>
-                <a:latin typeface="华文新魏" panose="02010800040101010101" pitchFamily="2" charset="-122"/>
-                <a:ea typeface="华文新魏" panose="02010800040101010101" pitchFamily="2" charset="-122"/>
-              </a:rPr>
-              <a:t/>
-            </a:r>
             <a:br>
               <a:rPr lang="en-US" altLang="zh-CN" sz="3200" b="1" cap="none" dirty="0">
                 <a:solidFill>
@@ -8350,16 +8986,6 @@
                 <a:ea typeface="华文新魏" panose="02010800040101010101" pitchFamily="2" charset="-122"/>
               </a:rPr>
             </a:br>
-            <a:r>
-              <a:rPr lang="en-US" altLang="zh-CN" sz="1400" b="1" cap="none" dirty="0">
-                <a:solidFill>
-                  <a:schemeClr val="accent2"/>
-                </a:solidFill>
-                <a:latin typeface="华文新魏" panose="02010800040101010101" pitchFamily="2" charset="-122"/>
-                <a:ea typeface="华文新魏" panose="02010800040101010101" pitchFamily="2" charset="-122"/>
-              </a:rPr>
-              <a:t/>
-            </a:r>
             <a:br>
               <a:rPr lang="en-US" altLang="zh-CN" sz="1400" b="1" cap="none" dirty="0">
                 <a:solidFill>
@@ -8431,18 +9057,6 @@
           <a:p>
             <a:pPr algn="ctr" eaLnBrk="1" latinLnBrk="0" hangingPunct="1"/>
             <a:r>
-              <a:rPr lang="en-US" altLang="zh-CN" dirty="0"/>
-              <a:t>2</a:t>
-            </a:r>
-            <a:r>
-              <a:rPr lang="en-US" altLang="zh-Hans" sz="2000" dirty="0">
-                <a:solidFill>
-                  <a:srgbClr val="FFFFFF"/>
-                </a:solidFill>
-              </a:rPr>
-              <a:t>/2</a:t>
-            </a:r>
-            <a:r>
               <a:rPr lang="en-US" altLang="zh-CN" sz="2000" dirty="0">
                 <a:solidFill>
                   <a:srgbClr val="FFFFFF"/>
@@ -8456,11 +9070,31 @@
                   <a:srgbClr val="FFFFFF"/>
                 </a:solidFill>
               </a:rPr>
-              <a:t>/1</a:t>
-            </a:r>
-            <a:r>
-              <a:rPr lang="en-US" altLang="zh-CN" dirty="0"/>
-              <a:t>9</a:t>
+              <a:t>/</a:t>
+            </a:r>
+            <a:r>
+              <a:rPr lang="en-US" altLang="zh-CN" sz="2000" dirty="0">
+                <a:solidFill>
+                  <a:srgbClr val="FFFFFF"/>
+                </a:solidFill>
+              </a:rPr>
+              <a:t>11</a:t>
+            </a:r>
+            <a:r>
+              <a:rPr lang="en-US" altLang="zh-Hans" sz="2000" dirty="0">
+                <a:solidFill>
+                  <a:srgbClr val="FFFFFF"/>
+                </a:solidFill>
+              </a:rPr>
+              <a:t>/</a:t>
+            </a:r>
+            <a:r>
+              <a:rPr lang="en-US" altLang="zh-CN" sz="2000" dirty="0">
+                <a:solidFill>
+                  <a:srgbClr val="FFFFFF"/>
+                </a:solidFill>
+              </a:rPr>
+              <a:t>20</a:t>
             </a:r>
             <a:endParaRPr lang="en-US" sz="2000" dirty="0">
               <a:solidFill>
@@ -8517,13 +9151,6 @@
   <p:transition spd="slow" advTm="13351">
     <p:push dir="u"/>
   </p:transition>
-  <p:timing>
-    <p:tnLst>
-      <p:par>
-        <p:cTn id="1" dur="indefinite" restart="never" nodeType="tmRoot"/>
-      </p:par>
-    </p:tnLst>
-  </p:timing>
 </p:sld>
 </file>
 
@@ -8562,22 +9189,21 @@
           <a:lstStyle/>
           <a:p>
             <a:r>
-              <a:rPr lang="en-US" altLang="zh-CN" dirty="0" smtClean="0"/>
+              <a:rPr lang="en-US" altLang="zh-CN" dirty="0"/>
               <a:t>2pl</a:t>
             </a:r>
             <a:r>
-              <a:rPr lang="zh-CN" altLang="en-US" dirty="0" smtClean="0"/>
+              <a:rPr lang="zh-CN" altLang="en-US" dirty="0"/>
               <a:t>实现思路</a:t>
             </a:r>
             <a:r>
-              <a:rPr lang="en-US" altLang="zh-CN" dirty="0" smtClean="0"/>
+              <a:rPr lang="en-US" altLang="zh-CN" dirty="0"/>
               <a:t>-</a:t>
             </a:r>
             <a:r>
-              <a:rPr lang="zh-CN" altLang="en-US" dirty="0" smtClean="0"/>
+              <a:rPr lang="zh-CN" altLang="en-US" dirty="0"/>
               <a:t>加锁</a:t>
             </a:r>
-            <a:endParaRPr lang="zh-CN" altLang="en-US" dirty="0"/>
           </a:p>
         </p:txBody>
       </p:sp>
@@ -8599,7 +9225,7 @@
             <a:pPr eaLnBrk="1" latinLnBrk="0" hangingPunct="1"/>
             <a:fld id="{5B07C305-A121-4768-B6E8-C8CCF036FD24}" type="datetime1">
               <a:rPr lang="en-US" altLang="zh-CN" smtClean="0"/>
-              <a:t>5/15/2019</a:t>
+              <a:t>6/10/2020</a:t>
             </a:fld>
             <a:endParaRPr lang="en-US" dirty="0"/>
           </a:p>
@@ -8654,103 +9280,103 @@
           <a:lstStyle/>
           <a:p>
             <a:r>
-              <a:rPr lang="en-US" altLang="zh-CN" dirty="0" smtClean="0"/>
+              <a:rPr lang="en-US" altLang="zh-CN" dirty="0"/>
               <a:t>1.</a:t>
             </a:r>
             <a:r>
-              <a:rPr lang="zh-CN" altLang="en-US" dirty="0" smtClean="0"/>
+              <a:rPr lang="zh-CN" altLang="en-US" dirty="0"/>
               <a:t>获取数据项上已有的锁，判断与自己加的锁是否冲突</a:t>
             </a:r>
-            <a:endParaRPr lang="en-US" altLang="zh-CN" dirty="0" smtClean="0"/>
-          </a:p>
-          <a:p>
-            <a:r>
-              <a:rPr lang="en-US" altLang="zh-CN" dirty="0" smtClean="0"/>
+            <a:endParaRPr lang="en-US" altLang="zh-CN" dirty="0"/>
+          </a:p>
+          <a:p>
+            <a:r>
+              <a:rPr lang="en-US" altLang="zh-CN" dirty="0"/>
               <a:t>2.a</a:t>
             </a:r>
             <a:r>
-              <a:rPr lang="zh-CN" altLang="en-US" dirty="0" smtClean="0"/>
+              <a:rPr lang="zh-CN" altLang="en-US" dirty="0"/>
               <a:t>若不冲突：</a:t>
             </a:r>
-            <a:endParaRPr lang="en-US" altLang="zh-CN" dirty="0" smtClean="0"/>
+            <a:endParaRPr lang="en-US" altLang="zh-CN" dirty="0"/>
           </a:p>
           <a:p>
             <a:pPr lvl="1"/>
             <a:r>
-              <a:rPr lang="zh-CN" altLang="en-US" dirty="0" smtClean="0"/>
+              <a:rPr lang="zh-CN" altLang="en-US" dirty="0"/>
               <a:t>对数据项上</a:t>
             </a:r>
             <a:r>
-              <a:rPr lang="en-US" altLang="zh-CN" dirty="0" err="1" smtClean="0"/>
+              <a:rPr lang="en-US" altLang="zh-CN" dirty="0" err="1"/>
               <a:t>mutex</a:t>
             </a:r>
             <a:r>
-              <a:rPr lang="zh-CN" altLang="en-US" dirty="0" smtClean="0"/>
+              <a:rPr lang="zh-CN" altLang="en-US" dirty="0"/>
               <a:t>加锁，设置该数据上已有锁信息</a:t>
             </a:r>
             <a:r>
-              <a:rPr lang="en-US" altLang="zh-CN" dirty="0" smtClean="0"/>
+              <a:rPr lang="en-US" altLang="zh-CN" dirty="0"/>
               <a:t>(owner)</a:t>
             </a:r>
             <a:r>
-              <a:rPr lang="zh-CN" altLang="en-US" dirty="0" smtClean="0"/>
+              <a:rPr lang="zh-CN" altLang="en-US" dirty="0"/>
               <a:t>为自己加的锁</a:t>
             </a:r>
             <a:endParaRPr lang="en-US" altLang="zh-CN" dirty="0"/>
           </a:p>
           <a:p>
             <a:r>
-              <a:rPr lang="en-US" altLang="zh-CN" dirty="0" smtClean="0"/>
+              <a:rPr lang="en-US" altLang="zh-CN" dirty="0"/>
               <a:t>2.b</a:t>
             </a:r>
             <a:r>
-              <a:rPr lang="zh-CN" altLang="en-US" dirty="0" smtClean="0"/>
+              <a:rPr lang="zh-CN" altLang="en-US" dirty="0"/>
               <a:t>若冲突：</a:t>
             </a:r>
-            <a:endParaRPr lang="en-US" altLang="zh-CN" dirty="0" smtClean="0"/>
+            <a:endParaRPr lang="en-US" altLang="zh-CN" dirty="0"/>
           </a:p>
           <a:p>
             <a:pPr lvl="1"/>
             <a:r>
-              <a:rPr lang="zh-CN" altLang="en-US" dirty="0" smtClean="0"/>
+              <a:rPr lang="zh-CN" altLang="en-US" dirty="0"/>
               <a:t>将自己要加的锁</a:t>
             </a:r>
             <a:r>
-              <a:rPr lang="en-US" altLang="zh-CN" dirty="0" smtClean="0"/>
+              <a:rPr lang="en-US" altLang="zh-CN" dirty="0"/>
               <a:t>(LockEntry) push</a:t>
             </a:r>
             <a:r>
-              <a:rPr lang="zh-CN" altLang="en-US" dirty="0" smtClean="0"/>
+              <a:rPr lang="zh-CN" altLang="en-US" dirty="0"/>
               <a:t>到该数据的等待队列</a:t>
             </a:r>
             <a:r>
-              <a:rPr lang="en-US" altLang="zh-CN" dirty="0" smtClean="0"/>
+              <a:rPr lang="en-US" altLang="zh-CN" dirty="0"/>
               <a:t>waitlist</a:t>
             </a:r>
             <a:r>
-              <a:rPr lang="zh-CN" altLang="en-US" dirty="0" smtClean="0"/>
+              <a:rPr lang="zh-CN" altLang="en-US" dirty="0"/>
               <a:t>中</a:t>
             </a:r>
-            <a:endParaRPr lang="en-US" altLang="zh-CN" dirty="0" smtClean="0"/>
+            <a:endParaRPr lang="en-US" altLang="zh-CN" dirty="0"/>
           </a:p>
           <a:p>
             <a:pPr lvl="1"/>
             <a:r>
-              <a:rPr lang="zh-CN" altLang="en-US" dirty="0" smtClean="0"/>
+              <a:rPr lang="zh-CN" altLang="en-US" dirty="0"/>
               <a:t>对该数据</a:t>
             </a:r>
             <a:r>
-              <a:rPr lang="en-US" altLang="zh-CN" dirty="0" err="1" smtClean="0"/>
+              <a:rPr lang="en-US" altLang="zh-CN" dirty="0" err="1"/>
               <a:t>mutex</a:t>
             </a:r>
             <a:r>
-              <a:rPr lang="zh-CN" altLang="en-US" dirty="0" smtClean="0"/>
+              <a:rPr lang="zh-CN" altLang="en-US" dirty="0"/>
               <a:t>加锁，然后阻塞，等待已有的锁释放</a:t>
             </a:r>
-            <a:endParaRPr lang="en-US" altLang="zh-CN" dirty="0" smtClean="0"/>
-          </a:p>
-          <a:p>
-            <a:endParaRPr lang="en-US" altLang="zh-CN" dirty="0" smtClean="0"/>
+            <a:endParaRPr lang="en-US" altLang="zh-CN" dirty="0"/>
+          </a:p>
+          <a:p>
+            <a:endParaRPr lang="en-US" altLang="zh-CN" dirty="0"/>
           </a:p>
         </p:txBody>
       </p:sp>
@@ -8764,13 +9390,6 @@
   <p:clrMapOvr>
     <a:masterClrMapping/>
   </p:clrMapOvr>
-  <p:timing>
-    <p:tnLst>
-      <p:par>
-        <p:cTn id="1" dur="indefinite" restart="never" nodeType="tmRoot"/>
-      </p:par>
-    </p:tnLst>
-  </p:timing>
 </p:sld>
 </file>
 
@@ -8807,22 +9426,21 @@
           <a:lstStyle/>
           <a:p>
             <a:r>
-              <a:rPr lang="en-US" altLang="zh-CN" dirty="0" smtClean="0"/>
+              <a:rPr lang="en-US" altLang="zh-CN" dirty="0"/>
               <a:t>2pl</a:t>
             </a:r>
             <a:r>
-              <a:rPr lang="zh-CN" altLang="en-US" dirty="0" smtClean="0"/>
+              <a:rPr lang="zh-CN" altLang="en-US" dirty="0"/>
               <a:t>实现思路</a:t>
             </a:r>
             <a:r>
-              <a:rPr lang="en-US" altLang="zh-CN" dirty="0" smtClean="0"/>
+              <a:rPr lang="en-US" altLang="zh-CN" dirty="0"/>
               <a:t>-</a:t>
             </a:r>
             <a:r>
-              <a:rPr lang="zh-CN" altLang="en-US" dirty="0" smtClean="0"/>
+              <a:rPr lang="zh-CN" altLang="en-US" dirty="0"/>
               <a:t>解锁</a:t>
             </a:r>
-            <a:endParaRPr lang="zh-CN" altLang="en-US" dirty="0"/>
           </a:p>
         </p:txBody>
       </p:sp>
@@ -8844,7 +9462,7 @@
             <a:pPr eaLnBrk="1" latinLnBrk="0" hangingPunct="1"/>
             <a:fld id="{5B07C305-A121-4768-B6E8-C8CCF036FD24}" type="datetime1">
               <a:rPr lang="en-US" altLang="zh-CN" smtClean="0"/>
-              <a:t>5/15/2019</a:t>
+              <a:t>6/10/2020</a:t>
             </a:fld>
             <a:endParaRPr lang="en-US" dirty="0"/>
           </a:p>
@@ -8897,33 +9515,33 @@
           <a:lstStyle/>
           <a:p>
             <a:r>
-              <a:rPr lang="en-US" altLang="zh-CN" dirty="0" smtClean="0"/>
+              <a:rPr lang="en-US" altLang="zh-CN" dirty="0"/>
               <a:t>1. </a:t>
             </a:r>
             <a:r>
-              <a:rPr lang="zh-CN" altLang="en-US" dirty="0" smtClean="0"/>
+              <a:rPr lang="zh-CN" altLang="en-US" dirty="0"/>
               <a:t>判断数据项上有无阻塞的锁请求（检查</a:t>
             </a:r>
             <a:r>
-              <a:rPr lang="en-US" altLang="zh-CN" dirty="0" smtClean="0"/>
+              <a:rPr lang="en-US" altLang="zh-CN" dirty="0"/>
               <a:t>waitlist</a:t>
             </a:r>
             <a:r>
-              <a:rPr lang="zh-CN" altLang="en-US" dirty="0" smtClean="0"/>
+              <a:rPr lang="zh-CN" altLang="en-US" dirty="0"/>
               <a:t>）</a:t>
             </a:r>
-            <a:endParaRPr lang="en-US" altLang="zh-CN" dirty="0" smtClean="0"/>
-          </a:p>
-          <a:p>
-            <a:r>
-              <a:rPr lang="en-US" altLang="zh-CN" dirty="0" smtClean="0"/>
+            <a:endParaRPr lang="en-US" altLang="zh-CN" dirty="0"/>
+          </a:p>
+          <a:p>
+            <a:r>
+              <a:rPr lang="en-US" altLang="zh-CN" dirty="0"/>
               <a:t>2.a </a:t>
             </a:r>
             <a:r>
-              <a:rPr lang="zh-CN" altLang="en-US" dirty="0" smtClean="0"/>
+              <a:rPr lang="zh-CN" altLang="en-US" dirty="0"/>
               <a:t>若没有：</a:t>
             </a:r>
-            <a:endParaRPr lang="en-US" altLang="zh-CN" dirty="0" smtClean="0"/>
+            <a:endParaRPr lang="en-US" altLang="zh-CN" dirty="0"/>
           </a:p>
           <a:p>
             <a:pPr lvl="1"/>
@@ -8969,99 +9587,79 @@
             </a:r>
             <a:r>
               <a:rPr lang="zh-CN" altLang="en-US" dirty="0"/>
-              <a:t>，防止在释放锁的过程中有加锁操作被阻塞，</a:t>
-            </a:r>
-            <a:r>
-              <a:rPr lang="zh-CN" altLang="en-US" dirty="0" smtClean="0"/>
-              <a:t>从而使该锁</a:t>
+              <a:t>，防止在释放锁的过程中有加锁操作被阻塞，从而使该锁请求不能得到响应</a:t>
+            </a:r>
+            <a:endParaRPr lang="en-US" altLang="zh-CN" dirty="0"/>
+          </a:p>
+          <a:p>
+            <a:r>
+              <a:rPr lang="en-US" altLang="zh-CN" dirty="0"/>
+              <a:t>2.b </a:t>
             </a:r>
             <a:r>
               <a:rPr lang="zh-CN" altLang="en-US" dirty="0"/>
-              <a:t>请求不能得到</a:t>
-            </a:r>
-            <a:r>
-              <a:rPr lang="zh-CN" altLang="en-US" dirty="0" smtClean="0"/>
-              <a:t>响应</a:t>
-            </a:r>
-            <a:endParaRPr lang="en-US" altLang="zh-CN" dirty="0" smtClean="0"/>
-          </a:p>
-          <a:p>
-            <a:r>
-              <a:rPr lang="en-US" altLang="zh-CN" dirty="0" smtClean="0"/>
-              <a:t>2.b </a:t>
-            </a:r>
-            <a:r>
-              <a:rPr lang="zh-CN" altLang="en-US" dirty="0" smtClean="0"/>
               <a:t>若有阻塞的锁请求：</a:t>
             </a:r>
-            <a:endParaRPr lang="en-US" altLang="zh-CN" dirty="0" smtClean="0"/>
+            <a:endParaRPr lang="en-US" altLang="zh-CN" dirty="0"/>
           </a:p>
           <a:p>
             <a:pPr lvl="1"/>
             <a:r>
-              <a:rPr lang="en-US" altLang="zh-CN" dirty="0" smtClean="0"/>
+              <a:rPr lang="en-US" altLang="zh-CN" dirty="0"/>
               <a:t>(1) </a:t>
             </a:r>
             <a:r>
-              <a:rPr lang="zh-CN" altLang="en-US" dirty="0" smtClean="0"/>
+              <a:rPr lang="zh-CN" altLang="en-US" dirty="0"/>
               <a:t>从</a:t>
             </a:r>
             <a:r>
-              <a:rPr lang="en-US" altLang="zh-CN" dirty="0" smtClean="0"/>
+              <a:rPr lang="en-US" altLang="zh-CN" dirty="0"/>
               <a:t>waitlist</a:t>
             </a:r>
             <a:r>
-              <a:rPr lang="zh-CN" altLang="en-US" dirty="0" smtClean="0"/>
-              <a:t>中</a:t>
-            </a:r>
-            <a:r>
-              <a:rPr lang="en-US" altLang="zh-CN" dirty="0" smtClean="0"/>
-              <a:t>pop</a:t>
-            </a:r>
-            <a:r>
-              <a:rPr lang="zh-CN" altLang="en-US" dirty="0" smtClean="0"/>
-              <a:t>出头部的</a:t>
-            </a:r>
-            <a:r>
-              <a:rPr lang="en-US" altLang="zh-CN" dirty="0" smtClean="0"/>
+              <a:rPr lang="zh-CN" altLang="en-US" dirty="0"/>
+              <a:t>中取出头部的</a:t>
+            </a:r>
+            <a:r>
+              <a:rPr lang="en-US" altLang="zh-CN" dirty="0"/>
               <a:t>LockEntry</a:t>
             </a:r>
             <a:r>
-              <a:rPr lang="zh-CN" altLang="en-US" dirty="0" smtClean="0"/>
+              <a:rPr lang="zh-CN" altLang="en-US" dirty="0"/>
               <a:t>，将</a:t>
             </a:r>
             <a:r>
-              <a:rPr lang="en-US" altLang="zh-CN" dirty="0" smtClean="0"/>
+              <a:rPr lang="en-US" altLang="zh-CN" dirty="0"/>
               <a:t>owner</a:t>
             </a:r>
             <a:r>
-              <a:rPr lang="zh-CN" altLang="en-US" dirty="0" smtClean="0"/>
+              <a:rPr lang="zh-CN" altLang="en-US" dirty="0"/>
               <a:t>置为该</a:t>
             </a:r>
             <a:r>
-              <a:rPr lang="en-US" altLang="zh-CN" dirty="0" smtClean="0"/>
+              <a:rPr lang="en-US" altLang="zh-CN" dirty="0"/>
               <a:t>LockEntry</a:t>
             </a:r>
           </a:p>
           <a:p>
             <a:pPr lvl="1"/>
             <a:r>
-              <a:rPr lang="en-US" altLang="zh-CN" dirty="0" smtClean="0"/>
+              <a:rPr lang="en-US" altLang="zh-CN" dirty="0"/>
               <a:t>(2) </a:t>
             </a:r>
             <a:r>
-              <a:rPr lang="zh-CN" altLang="en-US" dirty="0" smtClean="0"/>
+              <a:rPr lang="zh-CN" altLang="en-US" dirty="0"/>
               <a:t>释放</a:t>
             </a:r>
             <a:r>
-              <a:rPr lang="en-US" altLang="zh-CN" dirty="0" err="1" smtClean="0"/>
+              <a:rPr lang="en-US" altLang="zh-CN" dirty="0" err="1"/>
               <a:t>mutex</a:t>
             </a:r>
             <a:r>
-              <a:rPr lang="zh-CN" altLang="en-US" dirty="0" smtClean="0"/>
+              <a:rPr lang="zh-CN" altLang="en-US" dirty="0"/>
               <a:t>上的锁</a:t>
             </a:r>
-            <a:endParaRPr lang="en-US" altLang="zh-CN" dirty="0" smtClean="0"/>
+            <a:endParaRPr lang="en-US" altLang="zh-CN" dirty="0"/>
           </a:p>
         </p:txBody>
       </p:sp>
@@ -9075,13 +9673,6 @@
   <p:clrMapOvr>
     <a:masterClrMapping/>
   </p:clrMapOvr>
-  <p:timing>
-    <p:tnLst>
-      <p:par>
-        <p:cTn id="1" dur="indefinite" restart="never" nodeType="tmRoot"/>
-      </p:par>
-    </p:tnLst>
-  </p:timing>
 </p:sld>
 </file>
 
@@ -9118,10 +9709,9 @@
           <a:lstStyle/>
           <a:p>
             <a:r>
-              <a:rPr lang="zh-CN" altLang="en-US" dirty="0" smtClean="0"/>
+              <a:rPr lang="zh-CN" altLang="en-US" dirty="0"/>
               <a:t>任务列表</a:t>
             </a:r>
-            <a:endParaRPr lang="zh-CN" altLang="en-US" dirty="0"/>
           </a:p>
         </p:txBody>
       </p:sp>
@@ -9143,7 +9733,7 @@
             <a:pPr eaLnBrk="1" latinLnBrk="0" hangingPunct="1"/>
             <a:fld id="{5B07C305-A121-4768-B6E8-C8CCF036FD24}" type="datetime1">
               <a:rPr lang="en-US" altLang="zh-CN" smtClean="0"/>
-              <a:t>5/15/2019</a:t>
+              <a:t>6/10/2020</a:t>
             </a:fld>
             <a:endParaRPr lang="en-US" dirty="0"/>
           </a:p>
@@ -9198,37 +9788,33 @@
           <a:lstStyle/>
           <a:p>
             <a:r>
-              <a:rPr lang="en-US" altLang="zh-CN" dirty="0" smtClean="0"/>
+              <a:rPr lang="en-US" altLang="zh-CN" dirty="0"/>
               <a:t>1. </a:t>
             </a:r>
             <a:r>
-              <a:rPr lang="zh-CN" altLang="en-US" dirty="0" smtClean="0"/>
+              <a:rPr lang="zh-CN" altLang="en-US" dirty="0"/>
               <a:t>浏览代码，理解代码结构</a:t>
             </a:r>
-            <a:endParaRPr lang="en-US" altLang="zh-CN" dirty="0" smtClean="0"/>
-          </a:p>
-          <a:p>
-            <a:r>
-              <a:rPr lang="en-US" altLang="zh-CN" dirty="0" smtClean="0"/>
+            <a:endParaRPr lang="en-US" altLang="zh-CN" dirty="0"/>
+          </a:p>
+          <a:p>
+            <a:r>
+              <a:rPr lang="en-US" altLang="zh-CN" dirty="0"/>
               <a:t>2. </a:t>
             </a:r>
             <a:r>
-              <a:rPr lang="zh-CN" altLang="en-US" dirty="0" smtClean="0"/>
+              <a:rPr lang="zh-CN" altLang="en-US" dirty="0"/>
               <a:t>完成</a:t>
             </a:r>
             <a:r>
-              <a:rPr lang="en-US" altLang="zh-CN" dirty="0" err="1" smtClean="0"/>
-              <a:t>cc_lock.h</a:t>
+              <a:rPr lang="en-US" altLang="zh-CN" dirty="0"/>
+              <a:t>cc_lock.cpp</a:t>
             </a:r>
             <a:r>
               <a:rPr lang="zh-CN" altLang="en-US" dirty="0"/>
-              <a:t>中</a:t>
-            </a:r>
-            <a:r>
-              <a:rPr lang="zh-CN" altLang="en-US" dirty="0" smtClean="0"/>
-              <a:t>的三个函数：</a:t>
-            </a:r>
-            <a:endParaRPr lang="en-US" altLang="zh-CN" dirty="0" smtClean="0"/>
+              <a:t>中的三个函数：</a:t>
+            </a:r>
+            <a:endParaRPr lang="en-US" altLang="zh-CN" dirty="0"/>
           </a:p>
           <a:p>
             <a:pPr lvl="1"/>
@@ -9333,37 +9919,37 @@
               <a:t>页</a:t>
             </a:r>
             <a:r>
-              <a:rPr lang="en-US" altLang="zh-CN" dirty="0" err="1" smtClean="0"/>
+              <a:rPr lang="en-US" altLang="zh-CN" dirty="0" err="1"/>
               <a:t>ppt</a:t>
             </a:r>
-            <a:endParaRPr lang="en-US" altLang="zh-CN" dirty="0" smtClean="0"/>
-          </a:p>
-          <a:p>
-            <a:r>
-              <a:rPr lang="en-US" altLang="zh-CN" dirty="0" smtClean="0"/>
+            <a:endParaRPr lang="en-US" altLang="zh-CN" dirty="0"/>
+          </a:p>
+          <a:p>
+            <a:r>
+              <a:rPr lang="en-US" altLang="zh-CN" dirty="0"/>
               <a:t>3. </a:t>
             </a:r>
             <a:r>
-              <a:rPr lang="zh-CN" altLang="en-US" dirty="0" smtClean="0"/>
+              <a:rPr lang="zh-CN" altLang="en-US" dirty="0"/>
               <a:t>运行</a:t>
             </a:r>
             <a:r>
-              <a:rPr lang="en-US" altLang="zh-CN" dirty="0" smtClean="0"/>
+              <a:rPr lang="en-US" altLang="zh-CN" dirty="0"/>
               <a:t>main</a:t>
             </a:r>
             <a:r>
-              <a:rPr lang="zh-CN" altLang="en-US" dirty="0" smtClean="0"/>
+              <a:rPr lang="zh-CN" altLang="en-US" dirty="0"/>
               <a:t>函数，其中包含测试程序，模拟若干个事务的并发，最后输出</a:t>
             </a:r>
             <a:r>
-              <a:rPr lang="en-US" altLang="zh-CN" dirty="0" err="1" smtClean="0"/>
+              <a:rPr lang="en-US" altLang="zh-CN" dirty="0" err="1"/>
               <a:t>hash_map</a:t>
             </a:r>
             <a:r>
-              <a:rPr lang="zh-CN" altLang="en-US" dirty="0" smtClean="0"/>
+              <a:rPr lang="zh-CN" altLang="en-US" dirty="0"/>
               <a:t>中的数据值，判断结果正确性</a:t>
             </a:r>
-            <a:endParaRPr lang="en-US" altLang="zh-CN" dirty="0" smtClean="0"/>
+            <a:endParaRPr lang="en-US" altLang="zh-CN" dirty="0"/>
           </a:p>
         </p:txBody>
       </p:sp>
@@ -9377,13 +9963,6 @@
   <p:clrMapOvr>
     <a:masterClrMapping/>
   </p:clrMapOvr>
-  <p:timing>
-    <p:tnLst>
-      <p:par>
-        <p:cTn id="1" dur="indefinite" restart="never" nodeType="tmRoot"/>
-      </p:par>
-    </p:tnLst>
-  </p:timing>
 </p:sld>
 </file>
 
@@ -9420,10 +9999,9 @@
           <a:lstStyle/>
           <a:p>
             <a:r>
-              <a:rPr lang="zh-CN" altLang="en-US" dirty="0" smtClean="0"/>
+              <a:rPr lang="zh-CN" altLang="en-US" dirty="0"/>
               <a:t>思考</a:t>
             </a:r>
-            <a:endParaRPr lang="zh-CN" altLang="en-US" dirty="0"/>
           </a:p>
         </p:txBody>
       </p:sp>
@@ -9445,7 +10023,7 @@
             <a:pPr eaLnBrk="1" latinLnBrk="0" hangingPunct="1"/>
             <a:fld id="{5B07C305-A121-4768-B6E8-C8CCF036FD24}" type="datetime1">
               <a:rPr lang="en-US" altLang="zh-CN" smtClean="0"/>
-              <a:t>5/15/2019</a:t>
+              <a:t>6/10/2020</a:t>
             </a:fld>
             <a:endParaRPr lang="en-US" dirty="0"/>
           </a:p>
@@ -9497,44 +10075,23 @@
           <a:bodyPr/>
           <a:lstStyle/>
           <a:p>
-            <a:endParaRPr lang="en-US" altLang="zh-CN" dirty="0" smtClean="0"/>
-          </a:p>
-          <a:p>
-            <a:r>
-              <a:rPr lang="en-US" altLang="zh-CN" dirty="0" smtClean="0"/>
-              <a:t>1. </a:t>
-            </a:r>
-            <a:r>
-              <a:rPr lang="zh-CN" altLang="en-US" dirty="0" smtClean="0"/>
-              <a:t>共享锁的并发</a:t>
-            </a:r>
-            <a:r>
-              <a:rPr lang="zh-CN" altLang="en-US" smtClean="0"/>
-              <a:t>加锁</a:t>
-            </a:r>
-            <a:r>
-              <a:rPr lang="zh-CN" altLang="en-US" smtClean="0"/>
-              <a:t>如何处理？</a:t>
-            </a:r>
-            <a:endParaRPr lang="en-US" altLang="zh-CN" dirty="0" smtClean="0"/>
-          </a:p>
-          <a:p>
             <a:endParaRPr lang="en-US" altLang="zh-CN" dirty="0"/>
           </a:p>
           <a:p>
-            <a:r>
-              <a:rPr lang="en-US" altLang="zh-CN" dirty="0" smtClean="0"/>
-              <a:t>2. </a:t>
-            </a:r>
-            <a:r>
-              <a:rPr lang="zh-CN" altLang="en-US" dirty="0" smtClean="0"/>
+            <a:endParaRPr lang="en-US" altLang="zh-CN" dirty="0"/>
+          </a:p>
+          <a:p>
+            <a:endParaRPr lang="en-US" altLang="zh-CN" dirty="0"/>
+          </a:p>
+          <a:p>
+            <a:r>
+              <a:rPr lang="zh-CN" altLang="en-US" dirty="0"/>
               <a:t>如何基于锁实现低于可串行化的隔离级别？如：</a:t>
             </a:r>
             <a:r>
               <a:rPr lang="en-US" altLang="zh-CN" dirty="0"/>
               <a:t>READ_COMMITTED</a:t>
             </a:r>
-            <a:endParaRPr lang="en-US" altLang="zh-CN" dirty="0" smtClean="0"/>
           </a:p>
         </p:txBody>
       </p:sp>
@@ -9548,13 +10105,6 @@
   <p:clrMapOvr>
     <a:masterClrMapping/>
   </p:clrMapOvr>
-  <p:timing>
-    <p:tnLst>
-      <p:par>
-        <p:cTn id="1" dur="indefinite" restart="never" nodeType="tmRoot"/>
-      </p:par>
-    </p:tnLst>
-  </p:timing>
 </p:sld>
 </file>
 
@@ -9610,18 +10160,17 @@
           <a:lstStyle/>
           <a:p>
             <a:r>
-              <a:rPr lang="zh-CN" altLang="en-US" dirty="0" smtClean="0"/>
+              <a:rPr lang="zh-CN" altLang="en-US" dirty="0"/>
               <a:t>两阶段锁（</a:t>
             </a:r>
             <a:r>
-              <a:rPr lang="en-US" altLang="zh-CN" dirty="0" smtClean="0"/>
+              <a:rPr lang="en-US" altLang="zh-CN" dirty="0"/>
               <a:t>2PL</a:t>
             </a:r>
             <a:r>
-              <a:rPr lang="zh-CN" altLang="en-US" dirty="0" smtClean="0"/>
+              <a:rPr lang="zh-CN" altLang="en-US" dirty="0"/>
               <a:t>）简介</a:t>
             </a:r>
-            <a:endParaRPr lang="zh-CN" altLang="en-US" dirty="0"/>
           </a:p>
         </p:txBody>
       </p:sp>
@@ -9643,7 +10192,7 @@
             <a:pPr eaLnBrk="1" latinLnBrk="0" hangingPunct="1"/>
             <a:fld id="{DC943EC1-10AF-4AAF-A58D-C916DCE522BF}" type="datetime1">
               <a:rPr lang="en-US" altLang="zh-CN" smtClean="0"/>
-              <a:t>5/15/2019</a:t>
+              <a:t>6/10/2020</a:t>
             </a:fld>
             <a:endParaRPr lang="en-US"/>
           </a:p>
@@ -9683,13 +10232,6 @@
   <p:clrMapOvr>
     <a:masterClrMapping/>
   </p:clrMapOvr>
-  <p:timing>
-    <p:tnLst>
-      <p:par>
-        <p:cTn id="1" dur="indefinite" restart="never" nodeType="tmRoot"/>
-      </p:par>
-    </p:tnLst>
-  </p:timing>
 </p:sld>
 </file>
 
@@ -9726,12 +10268,8 @@
           <a:lstStyle/>
           <a:p>
             <a:r>
-              <a:rPr lang="zh-CN" altLang="en-US" dirty="0"/>
-              <a:t>短</a:t>
-            </a:r>
-            <a:r>
-              <a:rPr lang="zh-CN" altLang="en-US" dirty="0" smtClean="0"/>
-              <a:t>锁与长锁</a:t>
+              <a:rPr lang="en-US" altLang="zh-CN" dirty="0"/>
+              <a:t>2PL(two phase locking)</a:t>
             </a:r>
             <a:endParaRPr lang="zh-CN" altLang="en-US" dirty="0"/>
           </a:p>
@@ -9755,7 +10293,7 @@
             <a:pPr eaLnBrk="1" latinLnBrk="0" hangingPunct="1"/>
             <a:fld id="{5B07C305-A121-4768-B6E8-C8CCF036FD24}" type="datetime1">
               <a:rPr lang="en-US" altLang="zh-CN" smtClean="0"/>
-              <a:t>5/15/2019</a:t>
+              <a:t>6/10/2020</a:t>
             </a:fld>
             <a:endParaRPr lang="en-US" dirty="0"/>
           </a:p>
@@ -9802,81 +10340,98 @@
             <p:ph sz="quarter" idx="1"/>
           </p:nvPr>
         </p:nvSpPr>
-        <p:spPr/>
-        <p:txBody>
-          <a:bodyPr/>
-          <a:lstStyle/>
-          <a:p>
+        <p:spPr>
+          <a:xfrm>
+            <a:off x="612648" y="1600200"/>
+            <a:ext cx="8153400" cy="4899752"/>
+          </a:xfrm>
+        </p:spPr>
+        <p:txBody>
+          <a:bodyPr>
+            <a:normAutofit/>
+          </a:bodyPr>
+          <a:lstStyle/>
+          <a:p>
+            <a:r>
+              <a:rPr lang="zh-CN" altLang="en-US" dirty="0"/>
+              <a:t>事务从锁的角度看分为加锁和解锁两个阶段</a:t>
+            </a:r>
+            <a:endParaRPr lang="en-US" altLang="zh-CN" dirty="0"/>
+          </a:p>
+          <a:p>
+            <a:pPr lvl="1"/>
             <a:r>
               <a:rPr lang="en-US" altLang="zh-CN" dirty="0"/>
-              <a:t>Short duration lock</a:t>
-            </a:r>
+              <a:t>Growing</a:t>
+            </a:r>
+          </a:p>
+          <a:p>
+            <a:pPr lvl="2"/>
             <a:r>
               <a:rPr lang="zh-CN" altLang="en-US" dirty="0"/>
-              <a:t>短</a:t>
-            </a:r>
-            <a:r>
-              <a:rPr lang="zh-CN" altLang="en-US" dirty="0" smtClean="0"/>
-              <a:t>锁</a:t>
-            </a:r>
-            <a:endParaRPr lang="en-US" altLang="zh-CN" dirty="0" smtClean="0"/>
+              <a:t>加锁阶段，事务只获取锁，不释放锁</a:t>
+            </a:r>
+            <a:endParaRPr lang="en-US" altLang="zh-CN" dirty="0"/>
           </a:p>
           <a:p>
             <a:pPr lvl="1"/>
             <a:r>
-              <a:rPr lang="zh-CN" altLang="en-US" dirty="0" smtClean="0"/>
-              <a:t>动作开始前申请锁，动作结束立即把锁释放</a:t>
-            </a:r>
-            <a:endParaRPr lang="en-US" altLang="zh-CN" dirty="0" smtClean="0"/>
+              <a:rPr lang="en-US" altLang="zh-CN" dirty="0"/>
+              <a:t>Shrinking </a:t>
+            </a:r>
+          </a:p>
+          <a:p>
+            <a:pPr lvl="2"/>
+            <a:r>
+              <a:rPr lang="zh-CN" altLang="en-US" dirty="0"/>
+              <a:t>解锁阶段，事务只能释放锁，不能加新锁</a:t>
+            </a:r>
+            <a:endParaRPr lang="en-US" altLang="zh-CN" dirty="0"/>
+          </a:p>
+          <a:p>
+            <a:r>
+              <a:rPr lang="en-US" altLang="zh-CN" dirty="0"/>
+              <a:t>2pl</a:t>
+            </a:r>
+            <a:r>
+              <a:rPr lang="zh-CN" altLang="en-US" dirty="0"/>
+              <a:t>变种：</a:t>
+            </a:r>
+            <a:endParaRPr lang="en-US" altLang="zh-CN" dirty="0"/>
           </a:p>
           <a:p>
             <a:pPr lvl="1"/>
+            <a:r>
+              <a:rPr lang="zh-CN" altLang="en-US" dirty="0"/>
+              <a:t>保守</a:t>
+            </a:r>
+            <a:r>
+              <a:rPr lang="en-US" altLang="zh-CN" dirty="0"/>
+              <a:t>2pl</a:t>
+            </a:r>
+            <a:r>
+              <a:rPr lang="zh-CN" altLang="en-US" dirty="0"/>
+              <a:t>、严格</a:t>
+            </a:r>
+            <a:r>
+              <a:rPr lang="en-US" altLang="zh-CN" dirty="0"/>
+              <a:t>2pl</a:t>
+            </a:r>
+          </a:p>
+          <a:p>
+            <a:r>
+              <a:rPr lang="zh-CN" altLang="en-US" dirty="0"/>
+              <a:t>常见的实现方式</a:t>
+            </a:r>
             <a:endParaRPr lang="en-US" altLang="zh-CN" dirty="0"/>
           </a:p>
           <a:p>
             <a:pPr lvl="1"/>
+            <a:r>
+              <a:rPr lang="zh-CN" altLang="en-US" dirty="0"/>
+              <a:t>事务持有长锁，即事务进行过程中加锁，事务结束后集体释放</a:t>
+            </a:r>
             <a:endParaRPr lang="en-US" altLang="zh-CN" dirty="0"/>
-          </a:p>
-          <a:p>
-            <a:r>
-              <a:rPr lang="en-US" altLang="zh-CN" dirty="0"/>
-              <a:t>Long duration Lock </a:t>
-            </a:r>
-            <a:r>
-              <a:rPr lang="zh-CN" altLang="en-US" dirty="0"/>
-              <a:t>长</a:t>
-            </a:r>
-            <a:r>
-              <a:rPr lang="zh-CN" altLang="en-US" dirty="0" smtClean="0"/>
-              <a:t>锁</a:t>
-            </a:r>
-            <a:endParaRPr lang="en-US" altLang="zh-CN" dirty="0" smtClean="0"/>
-          </a:p>
-          <a:p>
-            <a:pPr lvl="1"/>
-            <a:r>
-              <a:rPr lang="zh-CN" altLang="en-US" dirty="0" smtClean="0"/>
-              <a:t>动作开始前申请锁，动作结束继续持有锁</a:t>
-            </a:r>
-            <a:endParaRPr lang="en-US" altLang="zh-CN" dirty="0" smtClean="0"/>
-          </a:p>
-          <a:p>
-            <a:pPr lvl="1"/>
-            <a:r>
-              <a:rPr lang="en-US" altLang="zh-CN" dirty="0" smtClean="0"/>
-              <a:t>2PL</a:t>
-            </a:r>
-            <a:r>
-              <a:rPr lang="zh-CN" altLang="en-US" dirty="0" smtClean="0"/>
-              <a:t>的思路</a:t>
-            </a:r>
-            <a:endParaRPr lang="en-US" altLang="zh-CN" dirty="0"/>
-          </a:p>
-          <a:p>
-            <a:pPr marL="0" indent="0">
-              <a:buNone/>
-            </a:pPr>
-            <a:endParaRPr lang="zh-CN" altLang="en-US" dirty="0"/>
           </a:p>
         </p:txBody>
       </p:sp>
@@ -9888,8 +10443,8 @@
         </p:nvSpPr>
         <p:spPr>
           <a:xfrm>
-            <a:off x="413886" y="3532472"/>
-            <a:ext cx="7324826" cy="1636294"/>
+            <a:off x="612648" y="4992992"/>
+            <a:ext cx="7918704" cy="1314800"/>
           </a:xfrm>
           <a:prstGeom prst="roundRect">
             <a:avLst/>
@@ -9924,387 +10479,6 @@
           </a:p>
         </p:txBody>
       </p:sp>
-    </p:spTree>
-    <p:extLst>
-      <p:ext uri="{BB962C8B-B14F-4D97-AF65-F5344CB8AC3E}">
-        <p14:creationId xmlns:p14="http://schemas.microsoft.com/office/powerpoint/2010/main" val="3426724321"/>
-      </p:ext>
-    </p:extLst>
-  </p:cSld>
-  <p:clrMapOvr>
-    <a:masterClrMapping/>
-  </p:clrMapOvr>
-  <p:timing>
-    <p:tnLst>
-      <p:par>
-        <p:cTn id="1" dur="indefinite" restart="never" nodeType="tmRoot">
-          <p:childTnLst>
-            <p:seq concurrent="1" nextAc="seek">
-              <p:cTn id="2" dur="indefinite" nodeType="mainSeq">
-                <p:childTnLst>
-                  <p:par>
-                    <p:cTn id="3" fill="hold">
-                      <p:stCondLst>
-                        <p:cond delay="indefinite"/>
-                      </p:stCondLst>
-                      <p:childTnLst>
-                        <p:par>
-                          <p:cTn id="4" fill="hold">
-                            <p:stCondLst>
-                              <p:cond delay="0"/>
-                            </p:stCondLst>
-                            <p:childTnLst>
-                              <p:par>
-                                <p:cTn id="5" presetID="2" presetClass="entr" presetSubtype="4" fill="hold" grpId="0" nodeType="clickEffect">
-                                  <p:stCondLst>
-                                    <p:cond delay="0"/>
-                                  </p:stCondLst>
-                                  <p:childTnLst>
-                                    <p:set>
-                                      <p:cBhvr>
-                                        <p:cTn id="6" dur="1" fill="hold">
-                                          <p:stCondLst>
-                                            <p:cond delay="0"/>
-                                          </p:stCondLst>
-                                        </p:cTn>
-                                        <p:tgtEl>
-                                          <p:spTgt spid="6"/>
-                                        </p:tgtEl>
-                                        <p:attrNameLst>
-                                          <p:attrName>style.visibility</p:attrName>
-                                        </p:attrNameLst>
-                                      </p:cBhvr>
-                                      <p:to>
-                                        <p:strVal val="visible"/>
-                                      </p:to>
-                                    </p:set>
-                                    <p:anim calcmode="lin" valueType="num">
-                                      <p:cBhvr additive="base">
-                                        <p:cTn id="7" dur="500" fill="hold"/>
-                                        <p:tgtEl>
-                                          <p:spTgt spid="6"/>
-                                        </p:tgtEl>
-                                        <p:attrNameLst>
-                                          <p:attrName>ppt_x</p:attrName>
-                                        </p:attrNameLst>
-                                      </p:cBhvr>
-                                      <p:tavLst>
-                                        <p:tav tm="0">
-                                          <p:val>
-                                            <p:strVal val="#ppt_x"/>
-                                          </p:val>
-                                        </p:tav>
-                                        <p:tav tm="100000">
-                                          <p:val>
-                                            <p:strVal val="#ppt_x"/>
-                                          </p:val>
-                                        </p:tav>
-                                      </p:tavLst>
-                                    </p:anim>
-                                    <p:anim calcmode="lin" valueType="num">
-                                      <p:cBhvr additive="base">
-                                        <p:cTn id="8" dur="500" fill="hold"/>
-                                        <p:tgtEl>
-                                          <p:spTgt spid="6"/>
-                                        </p:tgtEl>
-                                        <p:attrNameLst>
-                                          <p:attrName>ppt_y</p:attrName>
-                                        </p:attrNameLst>
-                                      </p:cBhvr>
-                                      <p:tavLst>
-                                        <p:tav tm="0">
-                                          <p:val>
-                                            <p:strVal val="1+#ppt_h/2"/>
-                                          </p:val>
-                                        </p:tav>
-                                        <p:tav tm="100000">
-                                          <p:val>
-                                            <p:strVal val="#ppt_y"/>
-                                          </p:val>
-                                        </p:tav>
-                                      </p:tavLst>
-                                    </p:anim>
-                                  </p:childTnLst>
-                                </p:cTn>
-                              </p:par>
-                            </p:childTnLst>
-                          </p:cTn>
-                        </p:par>
-                      </p:childTnLst>
-                    </p:cTn>
-                  </p:par>
-                </p:childTnLst>
-              </p:cTn>
-              <p:prevCondLst>
-                <p:cond evt="onPrev" delay="0">
-                  <p:tgtEl>
-                    <p:sldTgt/>
-                  </p:tgtEl>
-                </p:cond>
-              </p:prevCondLst>
-              <p:nextCondLst>
-                <p:cond evt="onNext" delay="0">
-                  <p:tgtEl>
-                    <p:sldTgt/>
-                  </p:tgtEl>
-                </p:cond>
-              </p:nextCondLst>
-            </p:seq>
-          </p:childTnLst>
-        </p:cTn>
-      </p:par>
-    </p:tnLst>
-    <p:bldLst>
-      <p:bldP spid="6" grpId="0" animBg="1"/>
-    </p:bldLst>
-  </p:timing>
-</p:sld>
-</file>
-
-<file path=ppt/slides/slide4.xml><?xml version="1.0" encoding="utf-8"?>
-<p:sld xmlns:a="http://schemas.openxmlformats.org/drawingml/2006/main" xmlns:r="http://schemas.openxmlformats.org/officeDocument/2006/relationships" xmlns:p="http://schemas.openxmlformats.org/presentationml/2006/main">
-  <p:cSld>
-    <p:spTree>
-      <p:nvGrpSpPr>
-        <p:cNvPr id="1" name=""/>
-        <p:cNvGrpSpPr/>
-        <p:nvPr/>
-      </p:nvGrpSpPr>
-      <p:grpSpPr>
-        <a:xfrm>
-          <a:off x="0" y="0"/>
-          <a:ext cx="0" cy="0"/>
-          <a:chOff x="0" y="0"/>
-          <a:chExt cx="0" cy="0"/>
-        </a:xfrm>
-      </p:grpSpPr>
-      <p:sp>
-        <p:nvSpPr>
-          <p:cNvPr id="2" name="标题 1"/>
-          <p:cNvSpPr>
-            <a:spLocks noGrp="1"/>
-          </p:cNvSpPr>
-          <p:nvPr>
-            <p:ph type="title"/>
-          </p:nvPr>
-        </p:nvSpPr>
-        <p:spPr/>
-        <p:txBody>
-          <a:bodyPr/>
-          <a:lstStyle/>
-          <a:p>
-            <a:r>
-              <a:rPr lang="en-US" altLang="zh-CN" dirty="0" smtClean="0"/>
-              <a:t>2PL(two phase locking)</a:t>
-            </a:r>
-            <a:endParaRPr lang="zh-CN" altLang="en-US" dirty="0"/>
-          </a:p>
-        </p:txBody>
-      </p:sp>
-      <p:sp>
-        <p:nvSpPr>
-          <p:cNvPr id="3" name="日期占位符 2"/>
-          <p:cNvSpPr>
-            <a:spLocks noGrp="1"/>
-          </p:cNvSpPr>
-          <p:nvPr>
-            <p:ph type="dt" sz="half" idx="10"/>
-          </p:nvPr>
-        </p:nvSpPr>
-        <p:spPr/>
-        <p:txBody>
-          <a:bodyPr/>
-          <a:lstStyle/>
-          <a:p>
-            <a:pPr eaLnBrk="1" latinLnBrk="0" hangingPunct="1"/>
-            <a:fld id="{5B07C305-A121-4768-B6E8-C8CCF036FD24}" type="datetime1">
-              <a:rPr lang="en-US" altLang="zh-CN" smtClean="0"/>
-              <a:t>5/15/2019</a:t>
-            </a:fld>
-            <a:endParaRPr lang="en-US" dirty="0"/>
-          </a:p>
-        </p:txBody>
-      </p:sp>
-      <p:sp>
-        <p:nvSpPr>
-          <p:cNvPr id="4" name="灯片编号占位符 3"/>
-          <p:cNvSpPr>
-            <a:spLocks noGrp="1"/>
-          </p:cNvSpPr>
-          <p:nvPr>
-            <p:ph type="sldNum" sz="quarter" idx="12"/>
-          </p:nvPr>
-        </p:nvSpPr>
-        <p:spPr/>
-        <p:txBody>
-          <a:bodyPr>
-            <a:normAutofit fontScale="85000" lnSpcReduction="20000"/>
-          </a:bodyPr>
-          <a:lstStyle/>
-          <a:p>
-            <a:pPr eaLnBrk="1" latinLnBrk="0" hangingPunct="1"/>
-            <a:fld id="{F0C94032-CD4C-4C25-B0C2-CEC720522D92}" type="slidenum">
-              <a:rPr kumimoji="0" lang="en-US" smtClean="0"/>
-              <a:pPr eaLnBrk="1" latinLnBrk="0" hangingPunct="1"/>
-              <a:t>4</a:t>
-            </a:fld>
-            <a:endParaRPr kumimoji="0" lang="en-US" dirty="0">
-              <a:solidFill>
-                <a:srgbClr val="FFFFFF"/>
-              </a:solidFill>
-            </a:endParaRPr>
-          </a:p>
-        </p:txBody>
-      </p:sp>
-      <p:sp>
-        <p:nvSpPr>
-          <p:cNvPr id="5" name="内容占位符 4"/>
-          <p:cNvSpPr>
-            <a:spLocks noGrp="1"/>
-          </p:cNvSpPr>
-          <p:nvPr>
-            <p:ph sz="quarter" idx="1"/>
-          </p:nvPr>
-        </p:nvSpPr>
-        <p:spPr/>
-        <p:txBody>
-          <a:bodyPr>
-            <a:normAutofit/>
-          </a:bodyPr>
-          <a:lstStyle/>
-          <a:p>
-            <a:r>
-              <a:rPr lang="zh-CN" altLang="en-US" dirty="0" smtClean="0"/>
-              <a:t>事务从锁的角度看分为加锁和解锁两个阶段</a:t>
-            </a:r>
-            <a:endParaRPr lang="en-US" altLang="zh-CN" dirty="0" smtClean="0"/>
-          </a:p>
-          <a:p>
-            <a:pPr lvl="1"/>
-            <a:r>
-              <a:rPr lang="en-US" altLang="zh-CN" dirty="0" smtClean="0"/>
-              <a:t>Growing</a:t>
-            </a:r>
-          </a:p>
-          <a:p>
-            <a:pPr lvl="2"/>
-            <a:r>
-              <a:rPr lang="zh-CN" altLang="en-US" dirty="0" smtClean="0"/>
-              <a:t>加锁阶段，事务只获取锁，不释放锁</a:t>
-            </a:r>
-            <a:endParaRPr lang="en-US" altLang="zh-CN" dirty="0" smtClean="0"/>
-          </a:p>
-          <a:p>
-            <a:pPr lvl="1"/>
-            <a:r>
-              <a:rPr lang="en-US" altLang="zh-CN" dirty="0"/>
-              <a:t>Shrinking </a:t>
-            </a:r>
-            <a:endParaRPr lang="en-US" altLang="zh-CN" dirty="0" smtClean="0"/>
-          </a:p>
-          <a:p>
-            <a:pPr lvl="2"/>
-            <a:r>
-              <a:rPr lang="zh-CN" altLang="en-US" dirty="0"/>
-              <a:t>解锁阶段，事务只能释放锁，不能加新</a:t>
-            </a:r>
-            <a:r>
-              <a:rPr lang="zh-CN" altLang="en-US" dirty="0" smtClean="0"/>
-              <a:t>锁</a:t>
-            </a:r>
-            <a:endParaRPr lang="en-US" altLang="zh-CN" dirty="0" smtClean="0"/>
-          </a:p>
-          <a:p>
-            <a:r>
-              <a:rPr lang="en-US" altLang="zh-CN" dirty="0" smtClean="0"/>
-              <a:t>2pl</a:t>
-            </a:r>
-            <a:r>
-              <a:rPr lang="zh-CN" altLang="en-US" dirty="0" smtClean="0"/>
-              <a:t>变种：</a:t>
-            </a:r>
-            <a:endParaRPr lang="en-US" altLang="zh-CN" dirty="0"/>
-          </a:p>
-          <a:p>
-            <a:pPr lvl="1"/>
-            <a:r>
-              <a:rPr lang="zh-CN" altLang="en-US" dirty="0" smtClean="0"/>
-              <a:t>保守</a:t>
-            </a:r>
-            <a:r>
-              <a:rPr lang="en-US" altLang="zh-CN" dirty="0" smtClean="0"/>
-              <a:t>2pl</a:t>
-            </a:r>
-            <a:r>
-              <a:rPr lang="zh-CN" altLang="en-US" dirty="0" smtClean="0"/>
-              <a:t>、严格</a:t>
-            </a:r>
-            <a:r>
-              <a:rPr lang="en-US" altLang="zh-CN" dirty="0" smtClean="0"/>
-              <a:t>2pl</a:t>
-            </a:r>
-          </a:p>
-          <a:p>
-            <a:r>
-              <a:rPr lang="zh-CN" altLang="en-US" dirty="0" smtClean="0"/>
-              <a:t>常见的实现方式</a:t>
-            </a:r>
-            <a:endParaRPr lang="en-US" altLang="zh-CN" dirty="0" smtClean="0"/>
-          </a:p>
-          <a:p>
-            <a:pPr lvl="1"/>
-            <a:r>
-              <a:rPr lang="zh-CN" altLang="en-US" dirty="0" smtClean="0"/>
-              <a:t>事务进行过程中加锁，事务结束后集体释放</a:t>
-            </a:r>
-            <a:endParaRPr lang="en-US" altLang="zh-CN" dirty="0" smtClean="0"/>
-          </a:p>
-        </p:txBody>
-      </p:sp>
-      <p:sp>
-        <p:nvSpPr>
-          <p:cNvPr id="6" name="圆角矩形 5"/>
-          <p:cNvSpPr/>
-          <p:nvPr/>
-        </p:nvSpPr>
-        <p:spPr>
-          <a:xfrm>
-            <a:off x="612648" y="4854994"/>
-            <a:ext cx="7324826" cy="1314800"/>
-          </a:xfrm>
-          <a:prstGeom prst="roundRect">
-            <a:avLst/>
-          </a:prstGeom>
-          <a:noFill/>
-          <a:ln w="19050">
-            <a:solidFill>
-              <a:srgbClr val="FF0000"/>
-            </a:solidFill>
-          </a:ln>
-        </p:spPr>
-        <p:style>
-          <a:lnRef idx="1">
-            <a:schemeClr val="accent1"/>
-          </a:lnRef>
-          <a:fillRef idx="3">
-            <a:schemeClr val="accent1"/>
-          </a:fillRef>
-          <a:effectRef idx="2">
-            <a:schemeClr val="accent1"/>
-          </a:effectRef>
-          <a:fontRef idx="minor">
-            <a:schemeClr val="lt1"/>
-          </a:fontRef>
-        </p:style>
-        <p:txBody>
-          <a:bodyPr rtlCol="0" anchor="ctr"/>
-          <a:lstStyle/>
-          <a:p>
-            <a:pPr algn="ctr"/>
-            <a:endParaRPr lang="zh-CN" altLang="en-US"/>
-          </a:p>
-        </p:txBody>
-      </p:sp>
       <p:sp>
         <p:nvSpPr>
           <p:cNvPr id="7" name="文本框 6"/>
@@ -10313,7 +10487,7 @@
         </p:nvSpPr>
         <p:spPr>
           <a:xfrm>
-            <a:off x="6455184" y="4854994"/>
+            <a:off x="7049062" y="4992992"/>
             <a:ext cx="1482290" cy="400110"/>
           </a:xfrm>
           <a:prstGeom prst="rect">
@@ -10328,18 +10502,13 @@
           <a:lstStyle/>
           <a:p>
             <a:r>
-              <a:rPr lang="zh-CN" altLang="en-US" sz="2000" b="1" dirty="0" smtClean="0">
+              <a:rPr lang="zh-CN" altLang="en-US" sz="2000" b="1" dirty="0">
                 <a:solidFill>
                   <a:srgbClr val="FF0000"/>
                 </a:solidFill>
               </a:rPr>
               <a:t>本实验采用</a:t>
             </a:r>
-            <a:endParaRPr lang="zh-CN" altLang="en-US" sz="2000" b="1" dirty="0">
-              <a:solidFill>
-                <a:srgbClr val="FF0000"/>
-              </a:solidFill>
-            </a:endParaRPr>
           </a:p>
         </p:txBody>
       </p:sp>
@@ -10554,6 +10723,418 @@
 </p:sld>
 </file>
 
+<file path=ppt/slides/slide4.xml><?xml version="1.0" encoding="utf-8"?>
+<p:sld xmlns:a="http://schemas.openxmlformats.org/drawingml/2006/main" xmlns:r="http://schemas.openxmlformats.org/officeDocument/2006/relationships" xmlns:p="http://schemas.openxmlformats.org/presentationml/2006/main">
+  <p:cSld>
+    <p:spTree>
+      <p:nvGrpSpPr>
+        <p:cNvPr id="1" name=""/>
+        <p:cNvGrpSpPr/>
+        <p:nvPr/>
+      </p:nvGrpSpPr>
+      <p:grpSpPr>
+        <a:xfrm>
+          <a:off x="0" y="0"/>
+          <a:ext cx="0" cy="0"/>
+          <a:chOff x="0" y="0"/>
+          <a:chExt cx="0" cy="0"/>
+        </a:xfrm>
+      </p:grpSpPr>
+      <p:sp>
+        <p:nvSpPr>
+          <p:cNvPr id="2" name="标题 1"/>
+          <p:cNvSpPr>
+            <a:spLocks noGrp="1"/>
+          </p:cNvSpPr>
+          <p:nvPr>
+            <p:ph type="title"/>
+          </p:nvPr>
+        </p:nvSpPr>
+        <p:spPr/>
+        <p:txBody>
+          <a:bodyPr/>
+          <a:lstStyle/>
+          <a:p>
+            <a:r>
+              <a:rPr lang="zh-CN" altLang="en-US" dirty="0"/>
+              <a:t>短锁与长锁</a:t>
+            </a:r>
+          </a:p>
+        </p:txBody>
+      </p:sp>
+      <p:sp>
+        <p:nvSpPr>
+          <p:cNvPr id="3" name="日期占位符 2"/>
+          <p:cNvSpPr>
+            <a:spLocks noGrp="1"/>
+          </p:cNvSpPr>
+          <p:nvPr>
+            <p:ph type="dt" sz="half" idx="10"/>
+          </p:nvPr>
+        </p:nvSpPr>
+        <p:spPr/>
+        <p:txBody>
+          <a:bodyPr/>
+          <a:lstStyle/>
+          <a:p>
+            <a:pPr eaLnBrk="1" latinLnBrk="0" hangingPunct="1"/>
+            <a:fld id="{5B07C305-A121-4768-B6E8-C8CCF036FD24}" type="datetime1">
+              <a:rPr lang="en-US" altLang="zh-CN" smtClean="0"/>
+              <a:t>6/10/2020</a:t>
+            </a:fld>
+            <a:endParaRPr lang="en-US" dirty="0"/>
+          </a:p>
+        </p:txBody>
+      </p:sp>
+      <p:sp>
+        <p:nvSpPr>
+          <p:cNvPr id="4" name="灯片编号占位符 3"/>
+          <p:cNvSpPr>
+            <a:spLocks noGrp="1"/>
+          </p:cNvSpPr>
+          <p:nvPr>
+            <p:ph type="sldNum" sz="quarter" idx="12"/>
+          </p:nvPr>
+        </p:nvSpPr>
+        <p:spPr/>
+        <p:txBody>
+          <a:bodyPr>
+            <a:normAutofit fontScale="85000" lnSpcReduction="20000"/>
+          </a:bodyPr>
+          <a:lstStyle/>
+          <a:p>
+            <a:pPr eaLnBrk="1" latinLnBrk="0" hangingPunct="1"/>
+            <a:fld id="{F0C94032-CD4C-4C25-B0C2-CEC720522D92}" type="slidenum">
+              <a:rPr kumimoji="0" lang="en-US" smtClean="0"/>
+              <a:pPr eaLnBrk="1" latinLnBrk="0" hangingPunct="1"/>
+              <a:t>4</a:t>
+            </a:fld>
+            <a:endParaRPr kumimoji="0" lang="en-US" dirty="0">
+              <a:solidFill>
+                <a:srgbClr val="FFFFFF"/>
+              </a:solidFill>
+            </a:endParaRPr>
+          </a:p>
+        </p:txBody>
+      </p:sp>
+      <p:sp>
+        <p:nvSpPr>
+          <p:cNvPr id="5" name="内容占位符 4"/>
+          <p:cNvSpPr>
+            <a:spLocks noGrp="1"/>
+          </p:cNvSpPr>
+          <p:nvPr>
+            <p:ph sz="quarter" idx="1"/>
+          </p:nvPr>
+        </p:nvSpPr>
+        <p:spPr/>
+        <p:txBody>
+          <a:bodyPr/>
+          <a:lstStyle/>
+          <a:p>
+            <a:r>
+              <a:rPr lang="en-US" altLang="zh-CN" dirty="0"/>
+              <a:t>Short duration lock</a:t>
+            </a:r>
+            <a:r>
+              <a:rPr lang="zh-CN" altLang="en-US" dirty="0"/>
+              <a:t>短锁</a:t>
+            </a:r>
+            <a:endParaRPr lang="en-US" altLang="zh-CN" dirty="0"/>
+          </a:p>
+          <a:p>
+            <a:pPr lvl="1"/>
+            <a:r>
+              <a:rPr lang="zh-CN" altLang="en-US" dirty="0"/>
+              <a:t>动作开始前申请锁，动作结束立即把锁释放</a:t>
+            </a:r>
+            <a:endParaRPr lang="en-US" altLang="zh-CN" dirty="0"/>
+          </a:p>
+          <a:p>
+            <a:pPr lvl="1"/>
+            <a:endParaRPr lang="en-US" altLang="zh-CN" dirty="0"/>
+          </a:p>
+          <a:p>
+            <a:pPr lvl="1"/>
+            <a:endParaRPr lang="en-US" altLang="zh-CN" dirty="0"/>
+          </a:p>
+          <a:p>
+            <a:r>
+              <a:rPr lang="en-US" altLang="zh-CN" dirty="0"/>
+              <a:t>Long duration Lock </a:t>
+            </a:r>
+            <a:r>
+              <a:rPr lang="zh-CN" altLang="en-US" dirty="0"/>
+              <a:t>长锁</a:t>
+            </a:r>
+            <a:endParaRPr lang="en-US" altLang="zh-CN" dirty="0"/>
+          </a:p>
+          <a:p>
+            <a:pPr lvl="1"/>
+            <a:r>
+              <a:rPr lang="zh-CN" altLang="en-US" dirty="0"/>
+              <a:t>动作开始前申请锁，动作结束继续持有锁，直到事务结束</a:t>
+            </a:r>
+            <a:endParaRPr lang="en-US" altLang="zh-CN" dirty="0"/>
+          </a:p>
+          <a:p>
+            <a:pPr lvl="1"/>
+            <a:r>
+              <a:rPr lang="zh-CN" altLang="en-US" dirty="0"/>
+              <a:t>多数</a:t>
+            </a:r>
+            <a:r>
+              <a:rPr lang="en-US" altLang="zh-CN" dirty="0"/>
+              <a:t>2PL</a:t>
+            </a:r>
+            <a:r>
+              <a:rPr lang="zh-CN" altLang="en-US" dirty="0"/>
+              <a:t>实现所采用</a:t>
+            </a:r>
+          </a:p>
+        </p:txBody>
+      </p:sp>
+      <p:sp>
+        <p:nvSpPr>
+          <p:cNvPr id="6" name="圆角矩形 5"/>
+          <p:cNvSpPr/>
+          <p:nvPr/>
+        </p:nvSpPr>
+        <p:spPr>
+          <a:xfrm>
+            <a:off x="413886" y="3532472"/>
+            <a:ext cx="8352162" cy="1898844"/>
+          </a:xfrm>
+          <a:prstGeom prst="roundRect">
+            <a:avLst/>
+          </a:prstGeom>
+          <a:noFill/>
+          <a:ln w="19050">
+            <a:solidFill>
+              <a:srgbClr val="FF0000"/>
+            </a:solidFill>
+          </a:ln>
+        </p:spPr>
+        <p:style>
+          <a:lnRef idx="1">
+            <a:schemeClr val="accent1"/>
+          </a:lnRef>
+          <a:fillRef idx="3">
+            <a:schemeClr val="accent1"/>
+          </a:fillRef>
+          <a:effectRef idx="2">
+            <a:schemeClr val="accent1"/>
+          </a:effectRef>
+          <a:fontRef idx="minor">
+            <a:schemeClr val="lt1"/>
+          </a:fontRef>
+        </p:style>
+        <p:txBody>
+          <a:bodyPr rtlCol="0" anchor="ctr"/>
+          <a:lstStyle/>
+          <a:p>
+            <a:pPr algn="ctr"/>
+            <a:endParaRPr lang="zh-CN" altLang="en-US"/>
+          </a:p>
+        </p:txBody>
+      </p:sp>
+      <p:pic>
+        <p:nvPicPr>
+          <p:cNvPr id="7" name="图片 6">
+            <a:extLst>
+              <a:ext uri="{FF2B5EF4-FFF2-40B4-BE49-F238E27FC236}">
+                <a16:creationId xmlns:a16="http://schemas.microsoft.com/office/drawing/2014/main" id="{CC41BAE5-6899-4BC4-BA66-ED550CC47692}"/>
+              </a:ext>
+            </a:extLst>
+          </p:cNvPr>
+          <p:cNvPicPr>
+            <a:picLocks noChangeAspect="1"/>
+          </p:cNvPicPr>
+          <p:nvPr/>
+        </p:nvPicPr>
+        <p:blipFill>
+          <a:blip r:embed="rId3"/>
+          <a:stretch>
+            <a:fillRect/>
+          </a:stretch>
+        </p:blipFill>
+        <p:spPr>
+          <a:xfrm>
+            <a:off x="4318612" y="0"/>
+            <a:ext cx="4825388" cy="1721787"/>
+          </a:xfrm>
+          <a:prstGeom prst="rect">
+            <a:avLst/>
+          </a:prstGeom>
+        </p:spPr>
+      </p:pic>
+      <p:pic>
+        <p:nvPicPr>
+          <p:cNvPr id="8" name="图片 7">
+            <a:extLst>
+              <a:ext uri="{FF2B5EF4-FFF2-40B4-BE49-F238E27FC236}">
+                <a16:creationId xmlns:a16="http://schemas.microsoft.com/office/drawing/2014/main" id="{25143E41-DE8A-4FDE-A442-155E34A660CD}"/>
+              </a:ext>
+            </a:extLst>
+          </p:cNvPr>
+          <p:cNvPicPr>
+            <a:picLocks noChangeAspect="1"/>
+          </p:cNvPicPr>
+          <p:nvPr/>
+        </p:nvPicPr>
+        <p:blipFill>
+          <a:blip r:embed="rId4"/>
+          <a:stretch>
+            <a:fillRect/>
+          </a:stretch>
+        </p:blipFill>
+        <p:spPr>
+          <a:xfrm>
+            <a:off x="2907716" y="5414752"/>
+            <a:ext cx="6236284" cy="1400598"/>
+          </a:xfrm>
+          <a:prstGeom prst="rect">
+            <a:avLst/>
+          </a:prstGeom>
+        </p:spPr>
+      </p:pic>
+    </p:spTree>
+    <p:extLst>
+      <p:ext uri="{BB962C8B-B14F-4D97-AF65-F5344CB8AC3E}">
+        <p14:creationId xmlns:p14="http://schemas.microsoft.com/office/powerpoint/2010/main" val="3426724321"/>
+      </p:ext>
+    </p:extLst>
+  </p:cSld>
+  <p:clrMapOvr>
+    <a:masterClrMapping/>
+  </p:clrMapOvr>
+  <p:timing>
+    <p:tnLst>
+      <p:par>
+        <p:cTn id="1" dur="indefinite" restart="never" nodeType="tmRoot">
+          <p:childTnLst>
+            <p:seq concurrent="1" nextAc="seek">
+              <p:cTn id="2" dur="indefinite" nodeType="mainSeq">
+                <p:childTnLst>
+                  <p:par>
+                    <p:cTn id="3" fill="hold">
+                      <p:stCondLst>
+                        <p:cond delay="indefinite"/>
+                      </p:stCondLst>
+                      <p:childTnLst>
+                        <p:par>
+                          <p:cTn id="4" fill="hold">
+                            <p:stCondLst>
+                              <p:cond delay="0"/>
+                            </p:stCondLst>
+                            <p:childTnLst>
+                              <p:par>
+                                <p:cTn id="5" presetID="2" presetClass="entr" presetSubtype="4" fill="hold" grpId="0" nodeType="clickEffect">
+                                  <p:stCondLst>
+                                    <p:cond delay="0"/>
+                                  </p:stCondLst>
+                                  <p:childTnLst>
+                                    <p:set>
+                                      <p:cBhvr>
+                                        <p:cTn id="6" dur="1" fill="hold">
+                                          <p:stCondLst>
+                                            <p:cond delay="0"/>
+                                          </p:stCondLst>
+                                        </p:cTn>
+                                        <p:tgtEl>
+                                          <p:spTgt spid="6"/>
+                                        </p:tgtEl>
+                                        <p:attrNameLst>
+                                          <p:attrName>style.visibility</p:attrName>
+                                        </p:attrNameLst>
+                                      </p:cBhvr>
+                                      <p:to>
+                                        <p:strVal val="visible"/>
+                                      </p:to>
+                                    </p:set>
+                                    <p:anim calcmode="lin" valueType="num">
+                                      <p:cBhvr additive="base">
+                                        <p:cTn id="7" dur="500" fill="hold"/>
+                                        <p:tgtEl>
+                                          <p:spTgt spid="6"/>
+                                        </p:tgtEl>
+                                        <p:attrNameLst>
+                                          <p:attrName>ppt_x</p:attrName>
+                                        </p:attrNameLst>
+                                      </p:cBhvr>
+                                      <p:tavLst>
+                                        <p:tav tm="0">
+                                          <p:val>
+                                            <p:strVal val="#ppt_x"/>
+                                          </p:val>
+                                        </p:tav>
+                                        <p:tav tm="100000">
+                                          <p:val>
+                                            <p:strVal val="#ppt_x"/>
+                                          </p:val>
+                                        </p:tav>
+                                      </p:tavLst>
+                                    </p:anim>
+                                    <p:anim calcmode="lin" valueType="num">
+                                      <p:cBhvr additive="base">
+                                        <p:cTn id="8" dur="500" fill="hold"/>
+                                        <p:tgtEl>
+                                          <p:spTgt spid="6"/>
+                                        </p:tgtEl>
+                                        <p:attrNameLst>
+                                          <p:attrName>ppt_y</p:attrName>
+                                        </p:attrNameLst>
+                                      </p:cBhvr>
+                                      <p:tavLst>
+                                        <p:tav tm="0">
+                                          <p:val>
+                                            <p:strVal val="1+#ppt_h/2"/>
+                                          </p:val>
+                                        </p:tav>
+                                        <p:tav tm="100000">
+                                          <p:val>
+                                            <p:strVal val="#ppt_y"/>
+                                          </p:val>
+                                        </p:tav>
+                                      </p:tavLst>
+                                    </p:anim>
+                                  </p:childTnLst>
+                                </p:cTn>
+                              </p:par>
+                            </p:childTnLst>
+                          </p:cTn>
+                        </p:par>
+                      </p:childTnLst>
+                    </p:cTn>
+                  </p:par>
+                </p:childTnLst>
+              </p:cTn>
+              <p:prevCondLst>
+                <p:cond evt="onPrev" delay="0">
+                  <p:tgtEl>
+                    <p:sldTgt/>
+                  </p:tgtEl>
+                </p:cond>
+              </p:prevCondLst>
+              <p:nextCondLst>
+                <p:cond evt="onNext" delay="0">
+                  <p:tgtEl>
+                    <p:sldTgt/>
+                  </p:tgtEl>
+                </p:cond>
+              </p:nextCondLst>
+            </p:seq>
+          </p:childTnLst>
+        </p:cTn>
+      </p:par>
+    </p:tnLst>
+    <p:bldLst>
+      <p:bldP spid="6" grpId="0" animBg="1"/>
+    </p:bldLst>
+  </p:timing>
+</p:sld>
+</file>
+
 <file path=ppt/slides/slide5.xml><?xml version="1.0" encoding="utf-8"?>
 <p:sld xmlns:a="http://schemas.openxmlformats.org/drawingml/2006/main" xmlns:r="http://schemas.openxmlformats.org/officeDocument/2006/relationships" xmlns:p="http://schemas.openxmlformats.org/presentationml/2006/main">
   <p:cSld>
@@ -10587,7 +11168,7 @@
           <a:lstStyle/>
           <a:p>
             <a:r>
-              <a:rPr lang="zh-CN" altLang="en-US" dirty="0" smtClean="0"/>
+              <a:rPr lang="zh-CN" altLang="en-US" dirty="0"/>
               <a:t>源码地址：</a:t>
             </a:r>
             <a:r>
@@ -10620,18 +11201,17 @@
           <a:lstStyle/>
           <a:p>
             <a:r>
-              <a:rPr lang="zh-CN" altLang="en-US" dirty="0" smtClean="0"/>
+              <a:rPr lang="zh-CN" altLang="en-US" dirty="0"/>
               <a:t>实验</a:t>
             </a:r>
             <a:r>
-              <a:rPr lang="en-US" altLang="zh-CN" dirty="0" smtClean="0"/>
+              <a:rPr lang="en-US" altLang="zh-CN" dirty="0"/>
               <a:t>-</a:t>
             </a:r>
             <a:r>
-              <a:rPr lang="zh-CN" altLang="en-US" dirty="0" smtClean="0"/>
+              <a:rPr lang="zh-CN" altLang="en-US" dirty="0"/>
               <a:t>实现基于锁的并发控制策略</a:t>
             </a:r>
-            <a:endParaRPr lang="zh-CN" altLang="en-US" dirty="0"/>
           </a:p>
         </p:txBody>
       </p:sp>
@@ -10653,7 +11233,7 @@
             <a:pPr eaLnBrk="1" latinLnBrk="0" hangingPunct="1"/>
             <a:fld id="{DC943EC1-10AF-4AAF-A58D-C916DCE522BF}" type="datetime1">
               <a:rPr lang="en-US" altLang="zh-CN" smtClean="0"/>
-              <a:t>5/15/2019</a:t>
+              <a:t>6/10/2020</a:t>
             </a:fld>
             <a:endParaRPr lang="en-US"/>
           </a:p>
@@ -10693,13 +11273,6 @@
   <p:clrMapOvr>
     <a:masterClrMapping/>
   </p:clrMapOvr>
-  <p:timing>
-    <p:tnLst>
-      <p:par>
-        <p:cTn id="1" dur="indefinite" restart="never" nodeType="tmRoot"/>
-      </p:par>
-    </p:tnLst>
-  </p:timing>
 </p:sld>
 </file>
 
@@ -10736,10 +11309,9 @@
           <a:lstStyle/>
           <a:p>
             <a:r>
-              <a:rPr lang="zh-CN" altLang="en-US" dirty="0" smtClean="0"/>
+              <a:rPr lang="zh-CN" altLang="en-US" dirty="0"/>
               <a:t>代码结构</a:t>
             </a:r>
-            <a:endParaRPr lang="zh-CN" altLang="en-US" dirty="0"/>
           </a:p>
         </p:txBody>
       </p:sp>
@@ -10761,7 +11333,7 @@
             <a:pPr eaLnBrk="1" latinLnBrk="0" hangingPunct="1"/>
             <a:fld id="{5B07C305-A121-4768-B6E8-C8CCF036FD24}" type="datetime1">
               <a:rPr lang="en-US" altLang="zh-CN" smtClean="0"/>
-              <a:t>5/15/2019</a:t>
+              <a:t>6/10/2020</a:t>
             </a:fld>
             <a:endParaRPr lang="en-US" dirty="0"/>
           </a:p>
@@ -10815,124 +11387,69 @@
           </a:bodyPr>
           <a:lstStyle/>
           <a:p>
-            <a:endParaRPr lang="en-US" altLang="zh-CN" dirty="0" smtClean="0"/>
-          </a:p>
-          <a:p>
-            <a:r>
-              <a:rPr lang="en-US" altLang="zh-CN" dirty="0" err="1" smtClean="0"/>
+            <a:endParaRPr lang="en-US" altLang="zh-CN" dirty="0"/>
+          </a:p>
+          <a:p>
+            <a:r>
+              <a:rPr lang="en-US" altLang="zh-CN" dirty="0" err="1"/>
               <a:t>global.h</a:t>
             </a:r>
             <a:r>
-              <a:rPr lang="zh-CN" altLang="en-US" dirty="0" smtClean="0"/>
+              <a:rPr lang="zh-CN" altLang="en-US" dirty="0"/>
               <a:t>：全局配置及变量</a:t>
             </a:r>
-            <a:endParaRPr lang="en-US" altLang="zh-CN" dirty="0" smtClean="0"/>
-          </a:p>
-          <a:p>
-            <a:r>
-              <a:rPr lang="en-US" altLang="zh-CN" dirty="0" err="1" smtClean="0"/>
+            <a:endParaRPr lang="en-US" altLang="zh-CN" dirty="0"/>
+          </a:p>
+          <a:p>
+            <a:r>
+              <a:rPr lang="en-US" altLang="zh-CN" dirty="0" err="1"/>
               <a:t>structure.h</a:t>
             </a:r>
             <a:r>
-              <a:rPr lang="en-US" altLang="zh-CN" dirty="0" smtClean="0"/>
+              <a:rPr lang="en-US" altLang="zh-CN" dirty="0"/>
               <a:t>/.</a:t>
             </a:r>
             <a:r>
-              <a:rPr lang="en-US" altLang="zh-CN" dirty="0" err="1" smtClean="0"/>
+              <a:rPr lang="en-US" altLang="zh-CN" dirty="0" err="1"/>
               <a:t>cpp</a:t>
             </a:r>
             <a:r>
-              <a:rPr lang="zh-CN" altLang="en-US" dirty="0" smtClean="0"/>
+              <a:rPr lang="zh-CN" altLang="en-US" dirty="0"/>
               <a:t>：实验所用的数据结构定义及基本操作，采用的基础数据结构是</a:t>
             </a:r>
             <a:r>
-              <a:rPr lang="en-US" altLang="zh-CN" dirty="0" smtClean="0"/>
+              <a:rPr lang="en-US" altLang="zh-CN" dirty="0"/>
               <a:t>hash map</a:t>
             </a:r>
           </a:p>
           <a:p>
             <a:r>
               <a:rPr lang="en-US" altLang="zh-CN" dirty="0" err="1"/>
-              <a:t>c</a:t>
-            </a:r>
-            <a:r>
-              <a:rPr lang="en-US" altLang="zh-CN" dirty="0" err="1" smtClean="0"/>
-              <a:t>c_lock.h</a:t>
-            </a:r>
-            <a:r>
-              <a:rPr lang="en-US" altLang="zh-CN" dirty="0" smtClean="0"/>
+              <a:t>cc_lock.h</a:t>
+            </a:r>
+            <a:r>
+              <a:rPr lang="en-US" altLang="zh-CN" dirty="0"/>
               <a:t>/.</a:t>
             </a:r>
             <a:r>
-              <a:rPr lang="en-US" altLang="zh-CN" dirty="0" err="1" smtClean="0"/>
+              <a:rPr lang="en-US" altLang="zh-CN" dirty="0" err="1"/>
               <a:t>cpp</a:t>
             </a:r>
             <a:r>
-              <a:rPr lang="zh-CN" altLang="en-US" dirty="0" smtClean="0"/>
+              <a:rPr lang="zh-CN" altLang="en-US" dirty="0"/>
               <a:t>：基于锁的并发控制的实现</a:t>
             </a:r>
-            <a:endParaRPr lang="en-US" altLang="zh-CN" dirty="0" smtClean="0"/>
-          </a:p>
-          <a:p>
-            <a:r>
-              <a:rPr lang="en-US" altLang="zh-CN" dirty="0" err="1"/>
-              <a:t>c</a:t>
-            </a:r>
-            <a:r>
-              <a:rPr lang="en-US" altLang="zh-CN" dirty="0" err="1" smtClean="0"/>
-              <a:t>c_occ.h</a:t>
-            </a:r>
-            <a:r>
-              <a:rPr lang="en-US" altLang="zh-CN" dirty="0" smtClean="0"/>
-              <a:t>/.</a:t>
-            </a:r>
-            <a:r>
-              <a:rPr lang="en-US" altLang="zh-CN" dirty="0" err="1" smtClean="0"/>
-              <a:t>cpp</a:t>
-            </a:r>
-            <a:r>
-              <a:rPr lang="zh-CN" altLang="en-US" dirty="0" smtClean="0"/>
-              <a:t>：基于乐观并发控制的实现</a:t>
-            </a:r>
-            <a:endParaRPr lang="en-US" altLang="zh-CN" dirty="0" smtClean="0"/>
-          </a:p>
-          <a:p>
-            <a:r>
-              <a:rPr lang="en-US" altLang="zh-CN" dirty="0" err="1"/>
-              <a:t>c</a:t>
-            </a:r>
-            <a:r>
-              <a:rPr lang="en-US" altLang="zh-CN" dirty="0" err="1" smtClean="0"/>
-              <a:t>c_to.h</a:t>
-            </a:r>
-            <a:r>
-              <a:rPr lang="en-US" altLang="zh-CN" dirty="0" smtClean="0"/>
-              <a:t>/.</a:t>
-            </a:r>
-            <a:r>
-              <a:rPr lang="en-US" altLang="zh-CN" dirty="0" err="1" smtClean="0"/>
-              <a:t>cpp</a:t>
-            </a:r>
-            <a:r>
-              <a:rPr lang="zh-CN" altLang="en-US" dirty="0" smtClean="0"/>
-              <a:t>：基于时间戳的并发控制的实现</a:t>
-            </a:r>
-            <a:endParaRPr lang="en-US" altLang="zh-CN" dirty="0" smtClean="0"/>
+            <a:endParaRPr lang="en-US" altLang="zh-CN" dirty="0"/>
           </a:p>
           <a:p>
             <a:r>
               <a:rPr lang="en-US" altLang="zh-CN" dirty="0"/>
-              <a:t>m</a:t>
-            </a:r>
-            <a:r>
-              <a:rPr lang="en-US" altLang="zh-CN" dirty="0" smtClean="0"/>
-              <a:t>ain.cpp</a:t>
-            </a:r>
-            <a:r>
-              <a:rPr lang="zh-CN" altLang="en-US" dirty="0" smtClean="0"/>
+              <a:t>main.cpp</a:t>
+            </a:r>
+            <a:r>
+              <a:rPr lang="zh-CN" altLang="en-US" dirty="0"/>
               <a:t>：程序入口，测试程序的实现</a:t>
             </a:r>
-            <a:endParaRPr lang="zh-CN" altLang="en-US" dirty="0"/>
           </a:p>
         </p:txBody>
       </p:sp>
@@ -10976,13 +11493,6 @@
   <p:clrMapOvr>
     <a:masterClrMapping/>
   </p:clrMapOvr>
-  <p:timing>
-    <p:tnLst>
-      <p:par>
-        <p:cTn id="1" dur="indefinite" restart="never" nodeType="tmRoot"/>
-      </p:par>
-    </p:tnLst>
-  </p:timing>
 </p:sld>
 </file>
 
@@ -11019,10 +11529,9 @@
           <a:lstStyle/>
           <a:p>
             <a:r>
-              <a:rPr lang="zh-CN" altLang="en-US" dirty="0" smtClean="0"/>
+              <a:rPr lang="zh-CN" altLang="en-US" dirty="0"/>
               <a:t>全局变量</a:t>
             </a:r>
-            <a:endParaRPr lang="zh-CN" altLang="en-US" dirty="0"/>
           </a:p>
         </p:txBody>
       </p:sp>
@@ -11044,7 +11553,7 @@
             <a:pPr eaLnBrk="1" latinLnBrk="0" hangingPunct="1"/>
             <a:fld id="{5B07C305-A121-4768-B6E8-C8CCF036FD24}" type="datetime1">
               <a:rPr lang="en-US" altLang="zh-CN" smtClean="0"/>
-              <a:t>5/15/2019</a:t>
+              <a:t>6/10/2020</a:t>
             </a:fld>
             <a:endParaRPr lang="en-US" dirty="0"/>
           </a:p>
@@ -11099,10 +11608,10 @@
           <a:lstStyle/>
           <a:p>
             <a:r>
-              <a:rPr lang="zh-CN" altLang="en-US" dirty="0" smtClean="0"/>
+              <a:rPr lang="zh-CN" altLang="en-US" dirty="0"/>
               <a:t>锁类型：</a:t>
             </a:r>
-            <a:endParaRPr lang="en-US" altLang="zh-CN" dirty="0" smtClean="0"/>
+            <a:endParaRPr lang="en-US" altLang="zh-CN" dirty="0"/>
           </a:p>
           <a:p>
             <a:pPr lvl="1"/>
@@ -11120,59 +11629,47 @@
             </a:r>
             <a:r>
               <a:rPr lang="en-US" altLang="zh-CN" sz="1900" dirty="0"/>
-              <a:t> { LOCK_EX, LOCK_SH, LOCK_NONE </a:t>
-            </a:r>
-            <a:r>
-              <a:rPr lang="en-US" altLang="zh-CN" sz="1900" dirty="0" smtClean="0"/>
-              <a:t>};</a:t>
+              <a:t> { LOCK_EX, LOCK_SH, LOCK_NONE };</a:t>
             </a:r>
           </a:p>
           <a:p>
             <a:pPr lvl="1"/>
             <a:r>
               <a:rPr lang="zh-CN" altLang="en-US" sz="1900" dirty="0"/>
-              <a:t>三</a:t>
-            </a:r>
-            <a:r>
-              <a:rPr lang="zh-CN" altLang="en-US" sz="1900" dirty="0" smtClean="0"/>
-              <a:t>种锁类型，</a:t>
-            </a:r>
-            <a:r>
-              <a:rPr lang="en-US" altLang="zh-CN" sz="1900" dirty="0" smtClean="0"/>
+              <a:t>三种锁类型，</a:t>
+            </a:r>
+            <a:r>
+              <a:rPr lang="en-US" altLang="zh-CN" sz="1900" dirty="0"/>
               <a:t>EX</a:t>
             </a:r>
             <a:r>
-              <a:rPr lang="zh-CN" altLang="en-US" sz="1900" dirty="0" smtClean="0"/>
+              <a:rPr lang="zh-CN" altLang="en-US" sz="1900" dirty="0"/>
               <a:t>代表互斥锁，</a:t>
             </a:r>
             <a:r>
-              <a:rPr lang="en-US" altLang="zh-CN" sz="1900" dirty="0" smtClean="0"/>
+              <a:rPr lang="en-US" altLang="zh-CN" sz="1900" dirty="0"/>
               <a:t>SH</a:t>
             </a:r>
             <a:r>
-              <a:rPr lang="zh-CN" altLang="en-US" sz="1900" dirty="0" smtClean="0"/>
+              <a:rPr lang="zh-CN" altLang="en-US" sz="1900" dirty="0"/>
               <a:t>代表共享锁，</a:t>
             </a:r>
             <a:r>
-              <a:rPr lang="en-US" altLang="zh-CN" sz="1900" dirty="0" smtClean="0"/>
+              <a:rPr lang="en-US" altLang="zh-CN" sz="1900" dirty="0"/>
               <a:t>NONE</a:t>
             </a:r>
             <a:r>
-              <a:rPr lang="zh-CN" altLang="en-US" sz="1900" dirty="0" smtClean="0"/>
+              <a:rPr lang="zh-CN" altLang="en-US" sz="1900" dirty="0"/>
               <a:t>代表无锁</a:t>
             </a:r>
-            <a:endParaRPr lang="en-US" altLang="zh-CN" sz="1900" dirty="0" smtClean="0"/>
+            <a:endParaRPr lang="en-US" altLang="zh-CN" sz="1900" dirty="0"/>
           </a:p>
           <a:p>
             <a:r>
               <a:rPr lang="zh-CN" altLang="en-US" dirty="0"/>
-              <a:t>返回</a:t>
-            </a:r>
-            <a:r>
-              <a:rPr lang="zh-CN" altLang="en-US" dirty="0" smtClean="0"/>
-              <a:t>值：</a:t>
-            </a:r>
-            <a:endParaRPr lang="en-US" altLang="zh-CN" dirty="0" smtClean="0"/>
+              <a:t>返回值：</a:t>
+            </a:r>
+            <a:endParaRPr lang="en-US" altLang="zh-CN" dirty="0"/>
           </a:p>
           <a:p>
             <a:pPr lvl="1"/>
@@ -11182,59 +11679,55 @@
             </a:r>
             <a:r>
               <a:rPr lang="en-US" altLang="zh-CN" sz="2000" dirty="0"/>
-              <a:t> RC { RCOK,  ERROR, FINISH, NOT_FOUND, ALREADY_EXIST </a:t>
-            </a:r>
-            <a:r>
-              <a:rPr lang="en-US" altLang="zh-CN" sz="2000" dirty="0" smtClean="0"/>
-              <a:t>};</a:t>
+              <a:t> RC { RCOK,  ERROR, FINISH, NOT_FOUND, ALREADY_EXIST };</a:t>
             </a:r>
           </a:p>
           <a:p>
             <a:pPr lvl="1"/>
             <a:r>
-              <a:rPr lang="zh-CN" altLang="en-US" sz="2000" dirty="0" smtClean="0"/>
+              <a:rPr lang="zh-CN" altLang="en-US" sz="2000" dirty="0"/>
               <a:t>代表操作的结果类型，</a:t>
             </a:r>
             <a:r>
-              <a:rPr lang="en-US" altLang="zh-CN" sz="2000" dirty="0" smtClean="0"/>
+              <a:rPr lang="en-US" altLang="zh-CN" sz="2000" dirty="0"/>
               <a:t>RCOK </a:t>
             </a:r>
             <a:r>
-              <a:rPr lang="zh-CN" altLang="en-US" sz="2000" dirty="0" smtClean="0"/>
+              <a:rPr lang="zh-CN" altLang="en-US" sz="2000" dirty="0"/>
               <a:t>正确，</a:t>
             </a:r>
             <a:r>
-              <a:rPr lang="en-US" altLang="zh-CN" sz="2000" dirty="0" smtClean="0"/>
+              <a:rPr lang="en-US" altLang="zh-CN" sz="2000" dirty="0"/>
               <a:t>ERROR </a:t>
             </a:r>
             <a:r>
-              <a:rPr lang="zh-CN" altLang="en-US" sz="2000" dirty="0" smtClean="0"/>
+              <a:rPr lang="zh-CN" altLang="en-US" sz="2000" dirty="0"/>
               <a:t>错误，</a:t>
             </a:r>
             <a:r>
-              <a:rPr lang="en-US" altLang="zh-CN" sz="2000" dirty="0" smtClean="0"/>
+              <a:rPr lang="en-US" altLang="zh-CN" sz="2000" dirty="0"/>
               <a:t>NOT_FOUND </a:t>
             </a:r>
             <a:r>
-              <a:rPr lang="zh-CN" altLang="en-US" sz="2000" dirty="0" smtClean="0"/>
+              <a:rPr lang="zh-CN" altLang="en-US" sz="2000" dirty="0"/>
               <a:t>数据项不存在， </a:t>
             </a:r>
             <a:r>
-              <a:rPr lang="en-US" altLang="zh-CN" sz="2000" dirty="0" smtClean="0"/>
+              <a:rPr lang="en-US" altLang="zh-CN" sz="2000" dirty="0"/>
               <a:t>ALREADY_EXIST </a:t>
             </a:r>
             <a:r>
-              <a:rPr lang="zh-CN" altLang="en-US" sz="2000" dirty="0" smtClean="0"/>
+              <a:rPr lang="zh-CN" altLang="en-US" sz="2000" dirty="0"/>
               <a:t>数据项已存在</a:t>
             </a:r>
-            <a:endParaRPr lang="en-US" altLang="zh-CN" sz="2000" dirty="0" smtClean="0"/>
-          </a:p>
-          <a:p>
-            <a:r>
-              <a:rPr lang="zh-CN" altLang="en-US" dirty="0" smtClean="0"/>
+            <a:endParaRPr lang="en-US" altLang="zh-CN" sz="2000" dirty="0"/>
+          </a:p>
+          <a:p>
+            <a:r>
+              <a:rPr lang="zh-CN" altLang="en-US" dirty="0"/>
               <a:t>并发策略：</a:t>
             </a:r>
-            <a:endParaRPr lang="en-US" altLang="zh-CN" dirty="0" smtClean="0"/>
+            <a:endParaRPr lang="en-US" altLang="zh-CN" dirty="0"/>
           </a:p>
           <a:p>
             <a:pPr lvl="1"/>
@@ -11252,68 +11745,63 @@
             </a:r>
             <a:r>
               <a:rPr lang="en-US" altLang="zh-CN" sz="2100" dirty="0"/>
-              <a:t> {CC_LOCK, CC_OCC, CC_TO</a:t>
-            </a:r>
-            <a:r>
-              <a:rPr lang="en-US" altLang="zh-CN" sz="2100" dirty="0" smtClean="0"/>
-              <a:t>};</a:t>
+              <a:t> {CC_LOCK, CC_OCC, CC_TO};</a:t>
             </a:r>
           </a:p>
           <a:p>
             <a:pPr lvl="1"/>
             <a:r>
-              <a:rPr lang="zh-CN" altLang="en-US" sz="2100" dirty="0" smtClean="0"/>
+              <a:rPr lang="zh-CN" altLang="en-US" sz="2100" dirty="0"/>
               <a:t>代表三种并发策略，</a:t>
             </a:r>
             <a:r>
-              <a:rPr lang="en-US" altLang="zh-CN" sz="2100" dirty="0" smtClean="0"/>
+              <a:rPr lang="en-US" altLang="zh-CN" sz="2100" dirty="0"/>
               <a:t>LOCK </a:t>
             </a:r>
             <a:r>
-              <a:rPr lang="zh-CN" altLang="en-US" sz="2100" dirty="0" smtClean="0"/>
+              <a:rPr lang="zh-CN" altLang="en-US" sz="2100" dirty="0"/>
               <a:t>基于锁，</a:t>
             </a:r>
             <a:r>
-              <a:rPr lang="en-US" altLang="zh-CN" sz="2100" dirty="0" smtClean="0"/>
+              <a:rPr lang="en-US" altLang="zh-CN" sz="2100" dirty="0"/>
               <a:t>OCC </a:t>
             </a:r>
             <a:r>
-              <a:rPr lang="zh-CN" altLang="en-US" sz="2100" dirty="0" smtClean="0"/>
+              <a:rPr lang="zh-CN" altLang="en-US" sz="2100" dirty="0"/>
               <a:t>乐观并发控制，</a:t>
             </a:r>
             <a:r>
-              <a:rPr lang="en-US" altLang="zh-CN" sz="2100" dirty="0" smtClean="0"/>
+              <a:rPr lang="en-US" altLang="zh-CN" sz="2100" dirty="0"/>
               <a:t>TO</a:t>
             </a:r>
             <a:r>
-              <a:rPr lang="zh-CN" altLang="en-US" sz="2100" dirty="0" smtClean="0"/>
+              <a:rPr lang="zh-CN" altLang="en-US" sz="2100" dirty="0"/>
               <a:t>基于时间戳</a:t>
             </a:r>
-            <a:endParaRPr lang="en-US" altLang="zh-CN" sz="2100" dirty="0" smtClean="0"/>
+            <a:endParaRPr lang="en-US" altLang="zh-CN" sz="2100" dirty="0"/>
           </a:p>
           <a:p>
             <a:pPr lvl="1"/>
             <a:r>
-              <a:rPr lang="zh-CN" altLang="en-US" sz="2100" dirty="0" smtClean="0"/>
+              <a:rPr lang="zh-CN" altLang="en-US" sz="2100" dirty="0"/>
               <a:t>通过配置</a:t>
             </a:r>
             <a:r>
-              <a:rPr lang="en-US" altLang="zh-CN" sz="2100" dirty="0" smtClean="0"/>
+              <a:rPr lang="en-US" altLang="zh-CN" sz="2100" dirty="0"/>
               <a:t>Engine</a:t>
             </a:r>
             <a:r>
-              <a:rPr lang="zh-CN" altLang="en-US" sz="2100" dirty="0" smtClean="0"/>
+              <a:rPr lang="zh-CN" altLang="en-US" sz="2100" dirty="0"/>
               <a:t>的</a:t>
             </a:r>
             <a:r>
-              <a:rPr lang="en-US" altLang="zh-CN" sz="2100" dirty="0" err="1" smtClean="0"/>
+              <a:rPr lang="en-US" altLang="zh-CN" sz="2100" dirty="0" err="1"/>
               <a:t>cc_type</a:t>
             </a:r>
             <a:r>
-              <a:rPr lang="zh-CN" altLang="en-US" sz="2100" dirty="0" smtClean="0"/>
+              <a:rPr lang="zh-CN" altLang="en-US" sz="2100" dirty="0"/>
               <a:t>，指定所需的并发策略</a:t>
             </a:r>
-            <a:endParaRPr lang="zh-CN" altLang="en-US" sz="2100" dirty="0"/>
           </a:p>
         </p:txBody>
       </p:sp>
@@ -11327,13 +11815,6 @@
   <p:clrMapOvr>
     <a:masterClrMapping/>
   </p:clrMapOvr>
-  <p:timing>
-    <p:tnLst>
-      <p:par>
-        <p:cTn id="1" dur="indefinite" restart="never" nodeType="tmRoot"/>
-      </p:par>
-    </p:tnLst>
-  </p:timing>
 </p:sld>
 </file>
 
@@ -11370,18 +11851,17 @@
           <a:lstStyle/>
           <a:p>
             <a:r>
-              <a:rPr lang="zh-CN" altLang="en-US" dirty="0" smtClean="0"/>
+              <a:rPr lang="zh-CN" altLang="en-US" dirty="0"/>
               <a:t>数据结构（</a:t>
             </a:r>
             <a:r>
-              <a:rPr lang="en-US" altLang="zh-CN" dirty="0" err="1" smtClean="0"/>
+              <a:rPr lang="en-US" altLang="zh-CN" dirty="0" err="1"/>
               <a:t>structure.h</a:t>
             </a:r>
             <a:r>
-              <a:rPr lang="zh-CN" altLang="en-US" dirty="0" smtClean="0"/>
+              <a:rPr lang="zh-CN" altLang="en-US" dirty="0"/>
               <a:t>）</a:t>
             </a:r>
-            <a:endParaRPr lang="zh-CN" altLang="en-US" dirty="0"/>
           </a:p>
         </p:txBody>
       </p:sp>
@@ -11403,7 +11883,7 @@
             <a:pPr eaLnBrk="1" latinLnBrk="0" hangingPunct="1"/>
             <a:fld id="{5B07C305-A121-4768-B6E8-C8CCF036FD24}" type="datetime1">
               <a:rPr lang="en-US" altLang="zh-CN" smtClean="0"/>
-              <a:t>5/15/2019</a:t>
+              <a:t>6/10/2020</a:t>
             </a:fld>
             <a:endParaRPr lang="en-US" dirty="0"/>
           </a:p>
@@ -11456,25 +11936,25 @@
           <a:lstStyle/>
           <a:p>
             <a:r>
-              <a:rPr lang="en-US" altLang="zh-CN" dirty="0" smtClean="0"/>
+              <a:rPr lang="en-US" altLang="zh-CN" dirty="0"/>
               <a:t>Engine</a:t>
             </a:r>
           </a:p>
           <a:p>
             <a:pPr lvl="1"/>
             <a:r>
-              <a:rPr lang="zh-CN" altLang="en-US" dirty="0" smtClean="0"/>
+              <a:rPr lang="zh-CN" altLang="en-US" dirty="0"/>
               <a:t>实验所用的</a:t>
             </a:r>
             <a:r>
-              <a:rPr lang="en-US" altLang="zh-CN" dirty="0" err="1" smtClean="0"/>
+              <a:rPr lang="en-US" altLang="zh-CN" dirty="0" err="1"/>
               <a:t>datastore</a:t>
             </a:r>
             <a:r>
-              <a:rPr lang="zh-CN" altLang="en-US" dirty="0" smtClean="0"/>
+              <a:rPr lang="zh-CN" altLang="en-US" dirty="0"/>
               <a:t>的引擎</a:t>
             </a:r>
-            <a:endParaRPr lang="en-US" altLang="zh-CN" dirty="0" smtClean="0"/>
+            <a:endParaRPr lang="en-US" altLang="zh-CN" dirty="0"/>
           </a:p>
           <a:p>
             <a:pPr lvl="1"/>
@@ -11510,40 +11990,39 @@
               <a:rPr lang="en-US" altLang="zh-CN" dirty="0"/>
               <a:t>;</a:t>
             </a:r>
-            <a:endParaRPr lang="en-US" altLang="zh-CN" dirty="0" smtClean="0"/>
-          </a:p>
-          <a:p>
-            <a:r>
-              <a:rPr lang="en-US" altLang="zh-CN" dirty="0" smtClean="0"/>
+          </a:p>
+          <a:p>
+            <a:r>
+              <a:rPr lang="en-US" altLang="zh-CN" dirty="0"/>
               <a:t>Data</a:t>
             </a:r>
           </a:p>
           <a:p>
             <a:pPr lvl="1"/>
             <a:r>
-              <a:rPr lang="zh-CN" altLang="en-US" dirty="0" smtClean="0"/>
+              <a:rPr lang="zh-CN" altLang="en-US" dirty="0"/>
               <a:t>数据项</a:t>
             </a:r>
-            <a:endParaRPr lang="en-US" altLang="zh-CN" dirty="0" smtClean="0"/>
+            <a:endParaRPr lang="en-US" altLang="zh-CN" dirty="0"/>
           </a:p>
           <a:p>
             <a:pPr lvl="1"/>
-            <a:endParaRPr lang="en-US" altLang="zh-CN" dirty="0" smtClean="0"/>
-          </a:p>
-          <a:p>
-            <a:r>
-              <a:rPr lang="en-US" altLang="zh-CN" dirty="0" smtClean="0"/>
+            <a:endParaRPr lang="en-US" altLang="zh-CN" dirty="0"/>
+          </a:p>
+          <a:p>
+            <a:r>
+              <a:rPr lang="en-US" altLang="zh-CN" dirty="0"/>
               <a:t>LockEntry</a:t>
             </a:r>
           </a:p>
           <a:p>
             <a:pPr lvl="1"/>
             <a:r>
-              <a:rPr lang="zh-CN" altLang="en-US" dirty="0" smtClean="0"/>
+              <a:rPr lang="zh-CN" altLang="en-US" dirty="0"/>
               <a:t>锁，包含属性有：锁类型，持有该锁的线程</a:t>
             </a:r>
             <a:r>
-              <a:rPr lang="en-US" altLang="zh-CN" dirty="0" smtClean="0"/>
+              <a:rPr lang="en-US" altLang="zh-CN" dirty="0"/>
               <a:t>id</a:t>
             </a:r>
             <a:endParaRPr lang="zh-CN" altLang="en-US" dirty="0"/>
@@ -11590,13 +12069,6 @@
   <p:clrMapOvr>
     <a:masterClrMapping/>
   </p:clrMapOvr>
-  <p:timing>
-    <p:tnLst>
-      <p:par>
-        <p:cTn id="1" dur="indefinite" restart="never" nodeType="tmRoot"/>
-      </p:par>
-    </p:tnLst>
-  </p:timing>
 </p:sld>
 </file>
 
@@ -11633,10 +12105,9 @@
           <a:lstStyle/>
           <a:p>
             <a:r>
-              <a:rPr lang="zh-CN" altLang="en-US" dirty="0" smtClean="0"/>
+              <a:rPr lang="zh-CN" altLang="en-US" dirty="0"/>
               <a:t>事务</a:t>
             </a:r>
-            <a:endParaRPr lang="zh-CN" altLang="en-US" dirty="0"/>
           </a:p>
         </p:txBody>
       </p:sp>
@@ -11658,7 +12129,7 @@
             <a:pPr eaLnBrk="1" latinLnBrk="0" hangingPunct="1"/>
             <a:fld id="{5B07C305-A121-4768-B6E8-C8CCF036FD24}" type="datetime1">
               <a:rPr lang="en-US" altLang="zh-CN" smtClean="0"/>
-              <a:t>5/15/2019</a:t>
+              <a:t>6/10/2020</a:t>
             </a:fld>
             <a:endParaRPr lang="en-US" dirty="0"/>
           </a:p>
@@ -11711,65 +12182,57 @@
           <a:lstStyle/>
           <a:p>
             <a:r>
-              <a:rPr lang="zh-CN" altLang="en-US" dirty="0" smtClean="0"/>
+              <a:rPr lang="zh-CN" altLang="en-US" dirty="0"/>
               <a:t>通过开启多个线程，每个线程执行若干条对数据的操作，来模拟多个事务的并发。每个线程相当于一个事务</a:t>
             </a:r>
-            <a:endParaRPr lang="en-US" altLang="zh-CN" dirty="0" smtClean="0"/>
-          </a:p>
-          <a:p>
-            <a:r>
-              <a:rPr lang="en-US" altLang="zh-CN" dirty="0" smtClean="0"/>
+            <a:endParaRPr lang="en-US" altLang="zh-CN" dirty="0"/>
+          </a:p>
+          <a:p>
+            <a:r>
+              <a:rPr lang="en-US" altLang="zh-CN" dirty="0"/>
               <a:t>Example</a:t>
             </a:r>
             <a:r>
-              <a:rPr lang="zh-CN" altLang="en-US" dirty="0" smtClean="0"/>
+              <a:rPr lang="zh-CN" altLang="en-US" dirty="0"/>
               <a:t>：</a:t>
             </a:r>
-            <a:endParaRPr lang="en-US" altLang="zh-CN" dirty="0" smtClean="0"/>
+            <a:endParaRPr lang="en-US" altLang="zh-CN" dirty="0"/>
           </a:p>
           <a:p>
             <a:pPr lvl="1"/>
             <a:r>
               <a:rPr lang="en-US" altLang="zh-CN" dirty="0"/>
-              <a:t>t</a:t>
-            </a:r>
-            <a:r>
-              <a:rPr lang="en-US" altLang="zh-CN" dirty="0" smtClean="0"/>
-              <a:t>ransaction1</a:t>
-            </a:r>
-            <a:r>
-              <a:rPr lang="zh-CN" altLang="en-US" dirty="0" smtClean="0"/>
+              <a:t>transaction1</a:t>
+            </a:r>
+            <a:r>
+              <a:rPr lang="zh-CN" altLang="en-US" dirty="0"/>
               <a:t>（</a:t>
             </a:r>
             <a:r>
-              <a:rPr lang="en-US" altLang="zh-CN" dirty="0" smtClean="0"/>
+              <a:rPr lang="en-US" altLang="zh-CN" dirty="0"/>
               <a:t>main.cpp</a:t>
             </a:r>
             <a:r>
-              <a:rPr lang="zh-CN" altLang="en-US" dirty="0" smtClean="0"/>
+              <a:rPr lang="zh-CN" altLang="en-US" dirty="0"/>
               <a:t>）</a:t>
             </a:r>
-            <a:endParaRPr lang="en-US" altLang="zh-CN" dirty="0" smtClean="0"/>
+            <a:endParaRPr lang="en-US" altLang="zh-CN" dirty="0"/>
           </a:p>
           <a:p>
             <a:pPr lvl="1"/>
             <a:r>
               <a:rPr lang="zh-CN" altLang="en-US" dirty="0"/>
-              <a:t>包含两</a:t>
-            </a:r>
-            <a:r>
-              <a:rPr lang="zh-CN" altLang="en-US" dirty="0" smtClean="0"/>
-              <a:t>条读和两条写</a:t>
-            </a:r>
-            <a:endParaRPr lang="en-US" altLang="zh-CN" dirty="0" smtClean="0"/>
+              <a:t>包含两条读和两条写</a:t>
+            </a:r>
+            <a:endParaRPr lang="en-US" altLang="zh-CN" dirty="0"/>
           </a:p>
           <a:p>
             <a:pPr lvl="1"/>
             <a:r>
-              <a:rPr lang="zh-CN" altLang="en-US" dirty="0" smtClean="0"/>
+              <a:rPr lang="zh-CN" altLang="en-US" dirty="0"/>
               <a:t>相当于一个转账操作</a:t>
             </a:r>
-            <a:endParaRPr lang="en-US" altLang="zh-CN" dirty="0" smtClean="0"/>
+            <a:endParaRPr lang="en-US" altLang="zh-CN" dirty="0"/>
           </a:p>
         </p:txBody>
       </p:sp>
@@ -11813,13 +12276,6 @@
   <p:clrMapOvr>
     <a:masterClrMapping/>
   </p:clrMapOvr>
-  <p:timing>
-    <p:tnLst>
-      <p:par>
-        <p:cTn id="1" dur="indefinite" restart="never" nodeType="tmRoot"/>
-      </p:par>
-    </p:tnLst>
-  </p:timing>
 </p:sld>
 </file>
 

--- a/并发控制/cc_lock/sildes/cc_lock.pptx
+++ b/并发控制/cc_lock/sildes/cc_lock.pptx
@@ -165,9 +165,7 @@
 
 <file path=ppt/commentAuthors.xml><?xml version="1.0" encoding="utf-8"?>
 <p:cmAuthorLst xmlns:a="http://schemas.openxmlformats.org/drawingml/2006/main" xmlns:r="http://schemas.openxmlformats.org/officeDocument/2006/relationships" xmlns:p="http://schemas.openxmlformats.org/presentationml/2006/main">
-  <p:cmAuthor id="1" name="张子豪" initials="张子豪" lastIdx="2" clrIdx="0">
-    <p:extLst/>
-  </p:cmAuthor>
+  <p:cmAuthor id="1" name="张子豪" initials="张子豪" lastIdx="2" clrIdx="0"/>
   <p:cmAuthor id="2" name="Knut Peter" initials="KP [2]" lastIdx="1" clrIdx="1"/>
   <p:cmAuthor id="3" name="Knut Peter" initials="KP" lastIdx="1" clrIdx="2"/>
 </p:cmAuthorLst>
@@ -255,7 +253,7 @@
           <a:p>
             <a:fld id="{B929D121-D10D-4F0C-8B5C-A4A810C856C2}" type="datetime1">
               <a:rPr lang="en-US" altLang="zh-CN" smtClean="0"/>
-              <a:t>6/10/2020</a:t>
+              <a:t>6/11/2020</a:t>
             </a:fld>
             <a:endParaRPr lang="zh-CN" altLang="en-US"/>
           </a:p>
@@ -421,7 +419,7 @@
           <a:p>
             <a:fld id="{C59B136B-7901-40C3-A276-4634FE9C07C7}" type="datetime1">
               <a:rPr lang="en-US" altLang="zh-CN" smtClean="0"/>
-              <a:t>6/10/2020</a:t>
+              <a:t>6/11/2020</a:t>
             </a:fld>
             <a:endParaRPr lang="en-US"/>
           </a:p>
@@ -778,7 +776,7 @@
           <a:p>
             <a:fld id="{689C195E-3386-4906-99A8-3313AC750D56}" type="datetime1">
               <a:rPr lang="en-US" altLang="zh-CN" smtClean="0"/>
-              <a:t>6/10/2020</a:t>
+              <a:t>6/11/2020</a:t>
             </a:fld>
             <a:endParaRPr lang="en-US"/>
           </a:p>
@@ -1149,7 +1147,7 @@
           <a:p>
             <a:fld id="{C59B136B-7901-40C3-A276-4634FE9C07C7}" type="datetime1">
               <a:rPr lang="en-US" altLang="zh-CN" smtClean="0"/>
-              <a:t>6/10/2020</a:t>
+              <a:t>6/11/2020</a:t>
             </a:fld>
             <a:endParaRPr lang="en-US"/>
           </a:p>
@@ -1287,7 +1285,7 @@
           <a:p>
             <a:fld id="{C59B136B-7901-40C3-A276-4634FE9C07C7}" type="datetime1">
               <a:rPr lang="en-US" altLang="zh-CN" smtClean="0"/>
-              <a:t>6/10/2020</a:t>
+              <a:t>6/11/2020</a:t>
             </a:fld>
             <a:endParaRPr lang="en-US"/>
           </a:p>
@@ -1456,7 +1454,7 @@
           <a:p>
             <a:fld id="{C59B136B-7901-40C3-A276-4634FE9C07C7}" type="datetime1">
               <a:rPr lang="en-US" altLang="zh-CN" smtClean="0"/>
-              <a:t>6/10/2020</a:t>
+              <a:t>6/11/2020</a:t>
             </a:fld>
             <a:endParaRPr lang="en-US"/>
           </a:p>
@@ -1788,7 +1786,7 @@
             <a:pPr algn="ctr" eaLnBrk="1" latinLnBrk="0" hangingPunct="1"/>
             <a:fld id="{FA17DD03-7FE4-4644-8B08-AEAAD3C985E9}" type="datetime1">
               <a:rPr lang="en-US" altLang="zh-CN" smtClean="0"/>
-              <a:t>6/10/2020</a:t>
+              <a:t>6/11/2020</a:t>
             </a:fld>
             <a:endParaRPr lang="en-US" sz="2000" dirty="0">
               <a:solidFill>
@@ -1993,7 +1991,7 @@
             <a:pPr eaLnBrk="1" latinLnBrk="0" hangingPunct="1"/>
             <a:fld id="{7717BE20-7690-4122-B239-932AAC939A97}" type="datetime1">
               <a:rPr lang="en-US" altLang="zh-CN" smtClean="0"/>
-              <a:t>6/10/2020</a:t>
+              <a:t>6/11/2020</a:t>
             </a:fld>
             <a:endParaRPr lang="en-US"/>
           </a:p>
@@ -2226,7 +2224,7 @@
             <a:pPr eaLnBrk="1" latinLnBrk="0" hangingPunct="1"/>
             <a:fld id="{08E52159-3E69-455F-9569-E16EDD4D98E0}" type="datetime1">
               <a:rPr lang="en-US" altLang="zh-CN" smtClean="0"/>
-              <a:t>6/10/2020</a:t>
+              <a:t>6/11/2020</a:t>
             </a:fld>
             <a:endParaRPr lang="en-US" dirty="0"/>
           </a:p>
@@ -2576,7 +2574,7 @@
             <a:pPr algn="ctr" eaLnBrk="1" latinLnBrk="0" hangingPunct="1"/>
             <a:fld id="{FA17DD03-7FE4-4644-8B08-AEAAD3C985E9}" type="datetime1">
               <a:rPr lang="en-US" altLang="zh-CN" smtClean="0"/>
-              <a:t>6/10/2020</a:t>
+              <a:t>6/11/2020</a:t>
             </a:fld>
             <a:endParaRPr lang="en-US" sz="2000" dirty="0">
               <a:solidFill>
@@ -2793,7 +2791,7 @@
           <a:p>
             <a:fld id="{F22F2A01-8003-452D-B96D-DFEB5C1AEE93}" type="datetimeFigureOut">
               <a:rPr lang="zh-CN" altLang="en-US" smtClean="0"/>
-              <a:t>2020/6/10</a:t>
+              <a:t>2020/6/11</a:t>
             </a:fld>
             <a:endParaRPr lang="zh-CN" altLang="en-US"/>
           </a:p>
@@ -2991,7 +2989,7 @@
           <a:p>
             <a:fld id="{F22F2A01-8003-452D-B96D-DFEB5C1AEE93}" type="datetimeFigureOut">
               <a:rPr lang="zh-CN" altLang="en-US" smtClean="0"/>
-              <a:t>2020/6/10</a:t>
+              <a:t>2020/6/11</a:t>
             </a:fld>
             <a:endParaRPr lang="zh-CN" altLang="en-US"/>
           </a:p>
@@ -3266,7 +3264,7 @@
           <a:p>
             <a:fld id="{F22F2A01-8003-452D-B96D-DFEB5C1AEE93}" type="datetimeFigureOut">
               <a:rPr lang="zh-CN" altLang="en-US" smtClean="0"/>
-              <a:t>2020/6/10</a:t>
+              <a:t>2020/6/11</a:t>
             </a:fld>
             <a:endParaRPr lang="zh-CN" altLang="en-US"/>
           </a:p>
@@ -3531,7 +3529,7 @@
           <a:p>
             <a:fld id="{F22F2A01-8003-452D-B96D-DFEB5C1AEE93}" type="datetimeFigureOut">
               <a:rPr lang="zh-CN" altLang="en-US" smtClean="0"/>
-              <a:t>2020/6/10</a:t>
+              <a:t>2020/6/11</a:t>
             </a:fld>
             <a:endParaRPr lang="zh-CN" altLang="en-US"/>
           </a:p>
@@ -3943,7 +3941,7 @@
           <a:p>
             <a:fld id="{F22F2A01-8003-452D-B96D-DFEB5C1AEE93}" type="datetimeFigureOut">
               <a:rPr lang="zh-CN" altLang="en-US" smtClean="0"/>
-              <a:t>2020/6/10</a:t>
+              <a:t>2020/6/11</a:t>
             </a:fld>
             <a:endParaRPr lang="zh-CN" altLang="en-US"/>
           </a:p>
@@ -4084,7 +4082,7 @@
           <a:p>
             <a:fld id="{F22F2A01-8003-452D-B96D-DFEB5C1AEE93}" type="datetimeFigureOut">
               <a:rPr lang="zh-CN" altLang="en-US" smtClean="0"/>
-              <a:t>2020/6/10</a:t>
+              <a:t>2020/6/11</a:t>
             </a:fld>
             <a:endParaRPr lang="zh-CN" altLang="en-US"/>
           </a:p>
@@ -4197,7 +4195,7 @@
           <a:p>
             <a:fld id="{F22F2A01-8003-452D-B96D-DFEB5C1AEE93}" type="datetimeFigureOut">
               <a:rPr lang="zh-CN" altLang="en-US" smtClean="0"/>
-              <a:t>2020/6/10</a:t>
+              <a:t>2020/6/11</a:t>
             </a:fld>
             <a:endParaRPr lang="zh-CN" altLang="en-US"/>
           </a:p>
@@ -4332,7 +4330,7 @@
             <a:pPr eaLnBrk="1" latinLnBrk="0" hangingPunct="1"/>
             <a:fld id="{5B07C305-A121-4768-B6E8-C8CCF036FD24}" type="datetime1">
               <a:rPr lang="en-US" altLang="zh-CN" smtClean="0"/>
-              <a:t>6/10/2020</a:t>
+              <a:t>6/11/2020</a:t>
             </a:fld>
             <a:endParaRPr lang="en-US" dirty="0"/>
           </a:p>
@@ -4726,7 +4724,7 @@
           <a:p>
             <a:fld id="{F22F2A01-8003-452D-B96D-DFEB5C1AEE93}" type="datetimeFigureOut">
               <a:rPr lang="zh-CN" altLang="en-US" smtClean="0"/>
-              <a:t>2020/6/10</a:t>
+              <a:t>2020/6/11</a:t>
             </a:fld>
             <a:endParaRPr lang="zh-CN" altLang="en-US"/>
           </a:p>
@@ -5014,7 +5012,7 @@
           <a:p>
             <a:fld id="{F22F2A01-8003-452D-B96D-DFEB5C1AEE93}" type="datetimeFigureOut">
               <a:rPr lang="zh-CN" altLang="en-US" smtClean="0"/>
-              <a:t>2020/6/10</a:t>
+              <a:t>2020/6/11</a:t>
             </a:fld>
             <a:endParaRPr lang="zh-CN" altLang="en-US"/>
           </a:p>
@@ -5212,7 +5210,7 @@
           <a:p>
             <a:fld id="{F22F2A01-8003-452D-B96D-DFEB5C1AEE93}" type="datetimeFigureOut">
               <a:rPr lang="zh-CN" altLang="en-US" smtClean="0"/>
-              <a:t>2020/6/10</a:t>
+              <a:t>2020/6/11</a:t>
             </a:fld>
             <a:endParaRPr lang="zh-CN" altLang="en-US"/>
           </a:p>
@@ -5420,7 +5418,7 @@
           <a:p>
             <a:fld id="{F22F2A01-8003-452D-B96D-DFEB5C1AEE93}" type="datetimeFigureOut">
               <a:rPr lang="zh-CN" altLang="en-US" smtClean="0"/>
-              <a:t>2020/6/10</a:t>
+              <a:t>2020/6/11</a:t>
             </a:fld>
             <a:endParaRPr lang="zh-CN" altLang="en-US"/>
           </a:p>
@@ -5788,7 +5786,7 @@
             <a:pPr eaLnBrk="1" latinLnBrk="0" hangingPunct="1"/>
             <a:fld id="{DC943EC1-10AF-4AAF-A58D-C916DCE522BF}" type="datetime1">
               <a:rPr lang="en-US" altLang="zh-CN" smtClean="0"/>
-              <a:t>6/10/2020</a:t>
+              <a:t>6/11/2020</a:t>
             </a:fld>
             <a:endParaRPr lang="en-US"/>
           </a:p>
@@ -6078,7 +6076,7 @@
             <a:pPr eaLnBrk="1" latinLnBrk="0" hangingPunct="1"/>
             <a:fld id="{481D54D7-4123-4EEC-A1DF-89CF9E8C1629}" type="datetime1">
               <a:rPr lang="en-US" altLang="zh-CN" smtClean="0"/>
-              <a:t>6/10/2020</a:t>
+              <a:t>6/11/2020</a:t>
             </a:fld>
             <a:endParaRPr lang="en-US"/>
           </a:p>
@@ -6363,7 +6361,7 @@
             <a:pPr eaLnBrk="1" latinLnBrk="0" hangingPunct="1"/>
             <a:fld id="{9BC3EA33-8B93-4A23-A928-67EE36EFD101}" type="datetime1">
               <a:rPr lang="en-US" altLang="zh-CN" smtClean="0"/>
-              <a:t>6/10/2020</a:t>
+              <a:t>6/11/2020</a:t>
             </a:fld>
             <a:endParaRPr lang="en-US"/>
           </a:p>
@@ -6607,7 +6605,7 @@
             <a:pPr eaLnBrk="1" latinLnBrk="0" hangingPunct="1"/>
             <a:fld id="{21B24EDB-0CD7-46CA-A675-3F8C58ED0ADE}" type="datetime1">
               <a:rPr lang="en-US" altLang="zh-CN" smtClean="0"/>
-              <a:t>6/10/2020</a:t>
+              <a:t>6/11/2020</a:t>
             </a:fld>
             <a:endParaRPr lang="en-US"/>
           </a:p>
@@ -6758,7 +6756,7 @@
             <a:pPr eaLnBrk="1" latinLnBrk="0" hangingPunct="1"/>
             <a:fld id="{6CA006F7-1EEA-48AD-AB83-E44117476C2D}" type="datetime1">
               <a:rPr lang="en-US" altLang="zh-CN" smtClean="0"/>
-              <a:t>6/10/2020</a:t>
+              <a:t>6/11/2020</a:t>
             </a:fld>
             <a:endParaRPr lang="en-US"/>
           </a:p>
@@ -6899,7 +6897,7 @@
             <a:pPr eaLnBrk="1" latinLnBrk="0" hangingPunct="1"/>
             <a:fld id="{366796DF-2388-4074-8250-081B2B743ADD}" type="datetime1">
               <a:rPr lang="en-US" altLang="zh-CN" smtClean="0"/>
-              <a:t>6/10/2020</a:t>
+              <a:t>6/11/2020</a:t>
             </a:fld>
             <a:endParaRPr lang="en-US"/>
           </a:p>
@@ -7469,7 +7467,7 @@
             <a:pPr eaLnBrk="1" latinLnBrk="0" hangingPunct="1"/>
             <a:fld id="{A4DF81AF-7B9A-4912-9556-C0A794F46D55}" type="datetime1">
               <a:rPr lang="en-US" altLang="zh-CN" smtClean="0"/>
-              <a:t>6/10/2020</a:t>
+              <a:t>6/11/2020</a:t>
             </a:fld>
             <a:endParaRPr lang="en-US"/>
           </a:p>
@@ -7778,7 +7776,7 @@
             <a:pPr eaLnBrk="1" latinLnBrk="0" hangingPunct="1"/>
             <a:fld id="{F28F4B70-43CB-4A8B-ACFC-89C41893FEC2}" type="datetime1">
               <a:rPr lang="en-US" altLang="zh-CN" smtClean="0"/>
-              <a:t>6/10/2020</a:t>
+              <a:t>6/11/2020</a:t>
             </a:fld>
             <a:endParaRPr lang="en-US" sz="1400" dirty="0">
               <a:solidFill>
@@ -8485,7 +8483,7 @@
           <a:p>
             <a:fld id="{F22F2A01-8003-452D-B96D-DFEB5C1AEE93}" type="datetimeFigureOut">
               <a:rPr lang="zh-CN" altLang="en-US" smtClean="0"/>
-              <a:t>2020/6/10</a:t>
+              <a:t>2020/6/11</a:t>
             </a:fld>
             <a:endParaRPr lang="zh-CN" altLang="en-US"/>
           </a:p>
@@ -9225,7 +9223,7 @@
             <a:pPr eaLnBrk="1" latinLnBrk="0" hangingPunct="1"/>
             <a:fld id="{5B07C305-A121-4768-B6E8-C8CCF036FD24}" type="datetime1">
               <a:rPr lang="en-US" altLang="zh-CN" smtClean="0"/>
-              <a:t>6/10/2020</a:t>
+              <a:t>6/11/2020</a:t>
             </a:fld>
             <a:endParaRPr lang="en-US" dirty="0"/>
           </a:p>
@@ -9462,7 +9460,7 @@
             <a:pPr eaLnBrk="1" latinLnBrk="0" hangingPunct="1"/>
             <a:fld id="{5B07C305-A121-4768-B6E8-C8CCF036FD24}" type="datetime1">
               <a:rPr lang="en-US" altLang="zh-CN" smtClean="0"/>
-              <a:t>6/10/2020</a:t>
+              <a:t>6/11/2020</a:t>
             </a:fld>
             <a:endParaRPr lang="en-US" dirty="0"/>
           </a:p>
@@ -9733,7 +9731,7 @@
             <a:pPr eaLnBrk="1" latinLnBrk="0" hangingPunct="1"/>
             <a:fld id="{5B07C305-A121-4768-B6E8-C8CCF036FD24}" type="datetime1">
               <a:rPr lang="en-US" altLang="zh-CN" smtClean="0"/>
-              <a:t>6/10/2020</a:t>
+              <a:t>6/11/2020</a:t>
             </a:fld>
             <a:endParaRPr lang="en-US" dirty="0"/>
           </a:p>
@@ -10023,7 +10021,7 @@
             <a:pPr eaLnBrk="1" latinLnBrk="0" hangingPunct="1"/>
             <a:fld id="{5B07C305-A121-4768-B6E8-C8CCF036FD24}" type="datetime1">
               <a:rPr lang="en-US" altLang="zh-CN" smtClean="0"/>
-              <a:t>6/10/2020</a:t>
+              <a:t>6/11/2020</a:t>
             </a:fld>
             <a:endParaRPr lang="en-US" dirty="0"/>
           </a:p>
@@ -10192,7 +10190,7 @@
             <a:pPr eaLnBrk="1" latinLnBrk="0" hangingPunct="1"/>
             <a:fld id="{DC943EC1-10AF-4AAF-A58D-C916DCE522BF}" type="datetime1">
               <a:rPr lang="en-US" altLang="zh-CN" smtClean="0"/>
-              <a:t>6/10/2020</a:t>
+              <a:t>6/11/2020</a:t>
             </a:fld>
             <a:endParaRPr lang="en-US"/>
           </a:p>
@@ -10293,7 +10291,7 @@
             <a:pPr eaLnBrk="1" latinLnBrk="0" hangingPunct="1"/>
             <a:fld id="{5B07C305-A121-4768-B6E8-C8CCF036FD24}" type="datetime1">
               <a:rPr lang="en-US" altLang="zh-CN" smtClean="0"/>
-              <a:t>6/10/2020</a:t>
+              <a:t>6/11/2020</a:t>
             </a:fld>
             <a:endParaRPr lang="en-US" dirty="0"/>
           </a:p>
@@ -10780,7 +10778,7 @@
             <a:pPr eaLnBrk="1" latinLnBrk="0" hangingPunct="1"/>
             <a:fld id="{5B07C305-A121-4768-B6E8-C8CCF036FD24}" type="datetime1">
               <a:rPr lang="en-US" altLang="zh-CN" smtClean="0"/>
-              <a:t>6/10/2020</a:t>
+              <a:t>6/11/2020</a:t>
             </a:fld>
             <a:endParaRPr lang="en-US" dirty="0"/>
           </a:p>
@@ -11172,12 +11170,10 @@
               <a:t>源码地址：</a:t>
             </a:r>
             <a:r>
-              <a:rPr lang="en-US" altLang="zh-CN" dirty="0"/>
-              <a:t>git@github.com:ZhangZihao270/</a:t>
-            </a:r>
-            <a:r>
-              <a:rPr lang="en-US" altLang="zh-CN" dirty="0" err="1"/>
-              <a:t>DaSE_DBMS_Implemention.git</a:t>
+              <a:rPr lang="en-US" altLang="zh-CN" dirty="0">
+                <a:hlinkClick r:id="rId2"/>
+              </a:rPr>
+              <a:t> https://github.com/ZhangZihao270/DaSE_DBMS_Implemention</a:t>
             </a:r>
             <a:endParaRPr lang="zh-CN" altLang="en-US" dirty="0"/>
           </a:p>
@@ -11233,7 +11229,7 @@
             <a:pPr eaLnBrk="1" latinLnBrk="0" hangingPunct="1"/>
             <a:fld id="{DC943EC1-10AF-4AAF-A58D-C916DCE522BF}" type="datetime1">
               <a:rPr lang="en-US" altLang="zh-CN" smtClean="0"/>
-              <a:t>6/10/2020</a:t>
+              <a:t>6/11/2020</a:t>
             </a:fld>
             <a:endParaRPr lang="en-US"/>
           </a:p>
@@ -11333,7 +11329,7 @@
             <a:pPr eaLnBrk="1" latinLnBrk="0" hangingPunct="1"/>
             <a:fld id="{5B07C305-A121-4768-B6E8-C8CCF036FD24}" type="datetime1">
               <a:rPr lang="en-US" altLang="zh-CN" smtClean="0"/>
-              <a:t>6/10/2020</a:t>
+              <a:t>6/11/2020</a:t>
             </a:fld>
             <a:endParaRPr lang="en-US" dirty="0"/>
           </a:p>
@@ -11553,7 +11549,7 @@
             <a:pPr eaLnBrk="1" latinLnBrk="0" hangingPunct="1"/>
             <a:fld id="{5B07C305-A121-4768-B6E8-C8CCF036FD24}" type="datetime1">
               <a:rPr lang="en-US" altLang="zh-CN" smtClean="0"/>
-              <a:t>6/10/2020</a:t>
+              <a:t>6/11/2020</a:t>
             </a:fld>
             <a:endParaRPr lang="en-US" dirty="0"/>
           </a:p>
@@ -11883,7 +11879,7 @@
             <a:pPr eaLnBrk="1" latinLnBrk="0" hangingPunct="1"/>
             <a:fld id="{5B07C305-A121-4768-B6E8-C8CCF036FD24}" type="datetime1">
               <a:rPr lang="en-US" altLang="zh-CN" smtClean="0"/>
-              <a:t>6/10/2020</a:t>
+              <a:t>6/11/2020</a:t>
             </a:fld>
             <a:endParaRPr lang="en-US" dirty="0"/>
           </a:p>
@@ -12129,7 +12125,7 @@
             <a:pPr eaLnBrk="1" latinLnBrk="0" hangingPunct="1"/>
             <a:fld id="{5B07C305-A121-4768-B6E8-C8CCF036FD24}" type="datetime1">
               <a:rPr lang="en-US" altLang="zh-CN" smtClean="0"/>
-              <a:t>6/10/2020</a:t>
+              <a:t>6/11/2020</a:t>
             </a:fld>
             <a:endParaRPr lang="en-US" dirty="0"/>
           </a:p>
